--- a/reactjs.pptx
+++ b/reactjs.pptx
@@ -3104,7 +3104,11 @@
           <a:bodyPr/>
           <a:lstStyle/>
           <a:p>
-            <a:endParaRPr lang="en-IN"/>
+            <a:r>
+              <a:rPr lang="en-IN" dirty="0" smtClean="0"/>
+              <a:t>By Chetan</a:t>
+            </a:r>
+            <a:endParaRPr lang="en-IN" dirty="0"/>
           </a:p>
         </p:txBody>
       </p:sp>
@@ -4482,11 +4486,7 @@
           <a:p>
             <a:r>
               <a:rPr lang="en-IN" sz="3100" dirty="0" smtClean="0"/>
-              <a:t>Create one more component with name </a:t>
-            </a:r>
-            <a:r>
-              <a:rPr lang="en-IN" sz="3100" dirty="0" smtClean="0"/>
-              <a:t>approval-</a:t>
+              <a:t>Create one more component with name approval-</a:t>
             </a:r>
             <a:r>
               <a:rPr lang="en-IN" sz="3100" dirty="0" err="1" smtClean="0"/>
@@ -4764,47 +4764,19 @@
                 <a:latin typeface="Courier New" pitchFamily="49" charset="0"/>
                 <a:cs typeface="Courier New" pitchFamily="49" charset="0"/>
               </a:rPr>
-              <a:t>  </a:t>
-            </a:r>
+              <a:t>      &lt;/div&gt;</a:t>
+            </a:r>
+          </a:p>
+          <a:p>
+            <a:pPr>
+              <a:buNone/>
+            </a:pPr>
             <a:r>
               <a:rPr lang="en-IN" dirty="0" smtClean="0">
                 <a:latin typeface="Courier New" pitchFamily="49" charset="0"/>
                 <a:cs typeface="Courier New" pitchFamily="49" charset="0"/>
               </a:rPr>
-              <a:t>    &lt;/</a:t>
-            </a:r>
-            <a:r>
-              <a:rPr lang="en-IN" dirty="0" smtClean="0">
-                <a:latin typeface="Courier New" pitchFamily="49" charset="0"/>
-                <a:cs typeface="Courier New" pitchFamily="49" charset="0"/>
-              </a:rPr>
-              <a:t>div&gt;</a:t>
-            </a:r>
-          </a:p>
-          <a:p>
-            <a:pPr>
-              <a:buNone/>
-            </a:pPr>
-            <a:r>
-              <a:rPr lang="en-IN" dirty="0" smtClean="0">
-                <a:latin typeface="Courier New" pitchFamily="49" charset="0"/>
-                <a:cs typeface="Courier New" pitchFamily="49" charset="0"/>
-              </a:rPr>
-              <a:t>&lt;/</a:t>
-            </a:r>
-            <a:r>
-              <a:rPr lang="en-IN" dirty="0" smtClean="0">
-                <a:latin typeface="Courier New" pitchFamily="49" charset="0"/>
-                <a:cs typeface="Courier New" pitchFamily="49" charset="0"/>
-              </a:rPr>
-              <a:t>div</a:t>
-            </a:r>
-            <a:r>
-              <a:rPr lang="en-IN" dirty="0" smtClean="0">
-                <a:latin typeface="Courier New" pitchFamily="49" charset="0"/>
-                <a:cs typeface="Courier New" pitchFamily="49" charset="0"/>
-              </a:rPr>
-              <a:t>&gt;</a:t>
+              <a:t>&lt;/div&gt;</a:t>
             </a:r>
           </a:p>
           <a:p>
@@ -4842,7 +4814,6 @@
               <a:rPr lang="en-IN" sz="6000" dirty="0" smtClean="0"/>
               <a:t> component </a:t>
             </a:r>
-            <a:endParaRPr lang="en-IN" sz="6000" dirty="0" smtClean="0"/>
           </a:p>
           <a:p>
             <a:endParaRPr lang="en-IN" dirty="0"/>
@@ -4909,7 +4880,9 @@
         </p:nvSpPr>
         <p:spPr/>
         <p:txBody>
-          <a:bodyPr/>
+          <a:bodyPr>
+            <a:normAutofit fontScale="62500" lnSpcReduction="20000"/>
+          </a:bodyPr>
           <a:lstStyle/>
           <a:p>
             <a:r>
@@ -4936,13 +4909,162 @@
             </a:r>
             <a:r>
               <a:rPr lang="en-IN" dirty="0" smtClean="0"/>
-              <a:t> in </a:t>
-            </a:r>
-            <a:r>
-              <a:rPr lang="en-IN" smtClean="0"/>
-              <a:t>index.html file</a:t>
-            </a:r>
-            <a:endParaRPr lang="en-IN"/>
+              <a:t> in index.html </a:t>
+            </a:r>
+            <a:r>
+              <a:rPr lang="en-IN" dirty="0" smtClean="0"/>
+              <a:t>file</a:t>
+            </a:r>
+          </a:p>
+          <a:p>
+            <a:r>
+              <a:rPr lang="en-IN" dirty="0" smtClean="0"/>
+              <a:t>Remove default files from sec folder</a:t>
+            </a:r>
+          </a:p>
+          <a:p>
+            <a:r>
+              <a:rPr lang="en-IN" dirty="0" smtClean="0"/>
+              <a:t>Create index.js file with react and </a:t>
+            </a:r>
+            <a:r>
+              <a:rPr lang="en-IN" dirty="0" err="1" smtClean="0"/>
+              <a:t>reactdom</a:t>
+            </a:r>
+            <a:r>
+              <a:rPr lang="en-IN" dirty="0" smtClean="0"/>
+              <a:t> libraries</a:t>
+            </a:r>
+          </a:p>
+          <a:p>
+            <a:r>
+              <a:rPr lang="en-IN" dirty="0" smtClean="0"/>
+              <a:t>Create new component with name season-</a:t>
+            </a:r>
+            <a:r>
+              <a:rPr lang="en-IN" dirty="0" err="1" smtClean="0"/>
+              <a:t>display.component.js</a:t>
+            </a:r>
+            <a:endParaRPr lang="en-IN" dirty="0" smtClean="0"/>
+          </a:p>
+          <a:p>
+            <a:r>
+              <a:rPr lang="en-IN" dirty="0" smtClean="0"/>
+              <a:t>Get user current </a:t>
+            </a:r>
+            <a:r>
+              <a:rPr lang="en-IN" dirty="0" err="1" smtClean="0"/>
+              <a:t>geolocation</a:t>
+            </a:r>
+            <a:endParaRPr lang="en-IN" dirty="0" smtClean="0"/>
+          </a:p>
+          <a:p>
+            <a:r>
+              <a:rPr lang="en-IN" dirty="0" smtClean="0"/>
+              <a:t>Add below code in index.js file in App function</a:t>
+            </a:r>
+          </a:p>
+          <a:p>
+            <a:pPr lvl="1">
+              <a:buNone/>
+            </a:pPr>
+            <a:r>
+              <a:rPr lang="en-IN" dirty="0" err="1" smtClean="0">
+                <a:latin typeface="Courier New" pitchFamily="49" charset="0"/>
+                <a:cs typeface="Courier New" pitchFamily="49" charset="0"/>
+              </a:rPr>
+              <a:t>window.navigator.geolocation.getCurrentPosition</a:t>
+            </a:r>
+            <a:r>
+              <a:rPr lang="en-IN" dirty="0" smtClean="0">
+                <a:latin typeface="Courier New" pitchFamily="49" charset="0"/>
+                <a:cs typeface="Courier New" pitchFamily="49" charset="0"/>
+              </a:rPr>
+              <a:t>(</a:t>
+            </a:r>
+          </a:p>
+          <a:p>
+            <a:pPr lvl="1">
+              <a:buNone/>
+            </a:pPr>
+            <a:r>
+              <a:rPr lang="en-IN" dirty="0" smtClean="0">
+                <a:latin typeface="Courier New" pitchFamily="49" charset="0"/>
+                <a:cs typeface="Courier New" pitchFamily="49" charset="0"/>
+              </a:rPr>
+              <a:t>    (position) =&gt; console.log(position),</a:t>
+            </a:r>
+          </a:p>
+          <a:p>
+            <a:pPr lvl="1">
+              <a:buNone/>
+            </a:pPr>
+            <a:r>
+              <a:rPr lang="en-IN" dirty="0" smtClean="0">
+                <a:latin typeface="Courier New" pitchFamily="49" charset="0"/>
+                <a:cs typeface="Courier New" pitchFamily="49" charset="0"/>
+              </a:rPr>
+              <a:t>    (err) =&gt; console.log(err)</a:t>
+            </a:r>
+          </a:p>
+          <a:p>
+            <a:pPr lvl="1">
+              <a:buNone/>
+            </a:pPr>
+            <a:r>
+              <a:rPr lang="en-IN" dirty="0" smtClean="0">
+                <a:latin typeface="Courier New" pitchFamily="49" charset="0"/>
+                <a:cs typeface="Courier New" pitchFamily="49" charset="0"/>
+              </a:rPr>
+              <a:t>  </a:t>
+            </a:r>
+            <a:r>
+              <a:rPr lang="en-IN" dirty="0" smtClean="0">
+                <a:latin typeface="Courier New" pitchFamily="49" charset="0"/>
+                <a:cs typeface="Courier New" pitchFamily="49" charset="0"/>
+              </a:rPr>
+              <a:t>)</a:t>
+            </a:r>
+          </a:p>
+          <a:p>
+            <a:r>
+              <a:rPr lang="en-IN" sz="3100" dirty="0" smtClean="0"/>
+              <a:t>Convert function based approach to </a:t>
+            </a:r>
+            <a:r>
+              <a:rPr lang="en-IN" sz="3100" dirty="0" smtClean="0"/>
+              <a:t>class</a:t>
+            </a:r>
+          </a:p>
+          <a:p>
+            <a:r>
+              <a:rPr lang="en-IN" sz="3100" dirty="0" smtClean="0"/>
+              <a:t>Class component must be a </a:t>
+            </a:r>
+            <a:r>
+              <a:rPr lang="en-IN" sz="3100" dirty="0" err="1" smtClean="0"/>
+              <a:t>javascript</a:t>
+            </a:r>
+            <a:r>
+              <a:rPr lang="en-IN" sz="3100" dirty="0" smtClean="0"/>
+              <a:t> class, must extend subclass </a:t>
+            </a:r>
+            <a:r>
+              <a:rPr lang="en-IN" sz="3100" dirty="0" err="1" smtClean="0"/>
+              <a:t>React.Component</a:t>
+            </a:r>
+            <a:r>
+              <a:rPr lang="en-IN" sz="3100" dirty="0" smtClean="0"/>
+              <a:t> and must define a render method that return </a:t>
+            </a:r>
+            <a:r>
+              <a:rPr lang="en-IN" sz="3100" smtClean="0"/>
+              <a:t>jsx</a:t>
+            </a:r>
+            <a:endParaRPr lang="en-IN" sz="3100" dirty="0" smtClean="0"/>
+          </a:p>
+          <a:p>
+            <a:endParaRPr lang="en-IN" dirty="0"/>
           </a:p>
         </p:txBody>
       </p:sp>

--- a/reactjs.pptx
+++ b/reactjs.pptx
@@ -4881,7 +4881,7 @@
         <p:spPr/>
         <p:txBody>
           <a:bodyPr>
-            <a:normAutofit fontScale="62500" lnSpcReduction="20000"/>
+            <a:normAutofit fontScale="47500" lnSpcReduction="20000"/>
           </a:bodyPr>
           <a:lstStyle/>
           <a:p>
@@ -4909,11 +4909,7 @@
             </a:r>
             <a:r>
               <a:rPr lang="en-IN" dirty="0" smtClean="0"/>
-              <a:t> in index.html </a:t>
-            </a:r>
-            <a:r>
-              <a:rPr lang="en-IN" dirty="0" smtClean="0"/>
-              <a:t>file</a:t>
+              <a:t> in index.html file</a:t>
             </a:r>
           </a:p>
           <a:p>
@@ -5016,24 +5012,13 @@
                 <a:latin typeface="Courier New" pitchFamily="49" charset="0"/>
                 <a:cs typeface="Courier New" pitchFamily="49" charset="0"/>
               </a:rPr>
-              <a:t>  </a:t>
-            </a:r>
-            <a:r>
-              <a:rPr lang="en-IN" dirty="0" smtClean="0">
-                <a:latin typeface="Courier New" pitchFamily="49" charset="0"/>
-                <a:cs typeface="Courier New" pitchFamily="49" charset="0"/>
-              </a:rPr>
-              <a:t>)</a:t>
+              <a:t>  )</a:t>
             </a:r>
           </a:p>
           <a:p>
             <a:r>
               <a:rPr lang="en-IN" sz="3100" dirty="0" smtClean="0"/>
-              <a:t>Convert function based approach to </a:t>
-            </a:r>
-            <a:r>
-              <a:rPr lang="en-IN" sz="3100" dirty="0" smtClean="0"/>
-              <a:t>class</a:t>
+              <a:t>Convert function based approach to class</a:t>
             </a:r>
           </a:p>
           <a:p>
@@ -5058,9 +5043,69 @@
               <a:t> and must define a render method that return </a:t>
             </a:r>
             <a:r>
+              <a:rPr lang="en-IN" sz="3100" dirty="0" err="1" smtClean="0"/>
+              <a:t>jsx</a:t>
+            </a:r>
+            <a:endParaRPr lang="en-IN" sz="3100" dirty="0" smtClean="0"/>
+          </a:p>
+          <a:p>
+            <a:r>
+              <a:rPr lang="en-IN" sz="3100" dirty="0" smtClean="0"/>
+              <a:t>Create state system to read latitude value</a:t>
+            </a:r>
+          </a:p>
+          <a:p>
+            <a:r>
+              <a:rPr lang="en-IN" sz="3100" dirty="0" smtClean="0"/>
+              <a:t>Initialize state in constructor method </a:t>
+            </a:r>
+            <a:r>
+              <a:rPr lang="en-IN" sz="3100" dirty="0" err="1" smtClean="0"/>
+              <a:t>this.state</a:t>
+            </a:r>
+            <a:r>
+              <a:rPr lang="en-IN" sz="3100" dirty="0" smtClean="0"/>
+              <a:t> </a:t>
+            </a:r>
+            <a:r>
+              <a:rPr lang="en-IN" sz="3100" dirty="0" smtClean="0"/>
+              <a:t>= {} in constructor</a:t>
+            </a:r>
+          </a:p>
+          <a:p>
+            <a:r>
+              <a:rPr lang="en-IN" sz="3100" dirty="0" smtClean="0"/>
+              <a:t>Set latitude value by using </a:t>
+            </a:r>
+            <a:r>
+              <a:rPr lang="en-IN" sz="3100" dirty="0" err="1" smtClean="0"/>
+              <a:t>this.setState</a:t>
+            </a:r>
+            <a:r>
+              <a:rPr lang="en-IN" sz="3100" dirty="0" smtClean="0"/>
+              <a:t> method and pass </a:t>
+            </a:r>
+            <a:r>
+              <a:rPr lang="en-IN" sz="3100" dirty="0" err="1" smtClean="0"/>
+              <a:t>latitute</a:t>
+            </a:r>
+            <a:r>
+              <a:rPr lang="en-IN" sz="3100" dirty="0" smtClean="0"/>
+              <a:t> value in it</a:t>
+            </a:r>
+          </a:p>
+          <a:p>
+            <a:r>
+              <a:rPr lang="en-IN" sz="3100" dirty="0" smtClean="0"/>
+              <a:t>Display error message </a:t>
+            </a:r>
+            <a:r>
               <a:rPr lang="en-IN" sz="3100" smtClean="0"/>
-              <a:t>jsx</a:t>
-            </a:r>
+              <a:t>with condition</a:t>
+            </a:r>
+            <a:endParaRPr lang="en-IN" sz="3100" smtClean="0"/>
+          </a:p>
+          <a:p>
             <a:endParaRPr lang="en-IN" sz="3100" dirty="0" smtClean="0"/>
           </a:p>
           <a:p>

--- a/reactjs.pptx
+++ b/reactjs.pptx
@@ -6,13 +6,19 @@
   </p:sldMasterIdLst>
   <p:sldIdLst>
     <p:sldId id="256" r:id="rId2"/>
-    <p:sldId id="257" r:id="rId3"/>
-    <p:sldId id="258" r:id="rId4"/>
-    <p:sldId id="259" r:id="rId5"/>
-    <p:sldId id="260" r:id="rId6"/>
-    <p:sldId id="261" r:id="rId7"/>
-    <p:sldId id="262" r:id="rId8"/>
-    <p:sldId id="263" r:id="rId9"/>
+    <p:sldId id="269" r:id="rId3"/>
+    <p:sldId id="257" r:id="rId4"/>
+    <p:sldId id="258" r:id="rId5"/>
+    <p:sldId id="259" r:id="rId6"/>
+    <p:sldId id="260" r:id="rId7"/>
+    <p:sldId id="261" r:id="rId8"/>
+    <p:sldId id="262" r:id="rId9"/>
+    <p:sldId id="263" r:id="rId10"/>
+    <p:sldId id="264" r:id="rId11"/>
+    <p:sldId id="265" r:id="rId12"/>
+    <p:sldId id="266" r:id="rId13"/>
+    <p:sldId id="267" r:id="rId14"/>
+    <p:sldId id="268" r:id="rId15"/>
   </p:sldIdLst>
   <p:sldSz cx="9144000" cy="6858000" type="screen4x3"/>
   <p:notesSz cx="6858000" cy="9144000"/>
@@ -296,7 +302,7 @@
             <a:fld id="{A8B84F8B-9F47-4931-9E22-59236C7C9D5C}" type="datetimeFigureOut">
               <a:rPr lang="en-US" smtClean="0"/>
               <a:pPr/>
-              <a:t>12/13/2020</a:t>
+              <a:t>12/20/2020</a:t>
             </a:fld>
             <a:endParaRPr lang="en-IN"/>
           </a:p>
@@ -463,7 +469,7 @@
             <a:fld id="{A8B84F8B-9F47-4931-9E22-59236C7C9D5C}" type="datetimeFigureOut">
               <a:rPr lang="en-US" smtClean="0"/>
               <a:pPr/>
-              <a:t>12/13/2020</a:t>
+              <a:t>12/20/2020</a:t>
             </a:fld>
             <a:endParaRPr lang="en-IN"/>
           </a:p>
@@ -640,7 +646,7 @@
             <a:fld id="{A8B84F8B-9F47-4931-9E22-59236C7C9D5C}" type="datetimeFigureOut">
               <a:rPr lang="en-US" smtClean="0"/>
               <a:pPr/>
-              <a:t>12/13/2020</a:t>
+              <a:t>12/20/2020</a:t>
             </a:fld>
             <a:endParaRPr lang="en-IN"/>
           </a:p>
@@ -807,7 +813,7 @@
             <a:fld id="{A8B84F8B-9F47-4931-9E22-59236C7C9D5C}" type="datetimeFigureOut">
               <a:rPr lang="en-US" smtClean="0"/>
               <a:pPr/>
-              <a:t>12/13/2020</a:t>
+              <a:t>12/20/2020</a:t>
             </a:fld>
             <a:endParaRPr lang="en-IN"/>
           </a:p>
@@ -1050,7 +1056,7 @@
             <a:fld id="{A8B84F8B-9F47-4931-9E22-59236C7C9D5C}" type="datetimeFigureOut">
               <a:rPr lang="en-US" smtClean="0"/>
               <a:pPr/>
-              <a:t>12/13/2020</a:t>
+              <a:t>12/20/2020</a:t>
             </a:fld>
             <a:endParaRPr lang="en-IN"/>
           </a:p>
@@ -1335,7 +1341,7 @@
             <a:fld id="{A8B84F8B-9F47-4931-9E22-59236C7C9D5C}" type="datetimeFigureOut">
               <a:rPr lang="en-US" smtClean="0"/>
               <a:pPr/>
-              <a:t>12/13/2020</a:t>
+              <a:t>12/20/2020</a:t>
             </a:fld>
             <a:endParaRPr lang="en-IN"/>
           </a:p>
@@ -1754,7 +1760,7 @@
             <a:fld id="{A8B84F8B-9F47-4931-9E22-59236C7C9D5C}" type="datetimeFigureOut">
               <a:rPr lang="en-US" smtClean="0"/>
               <a:pPr/>
-              <a:t>12/13/2020</a:t>
+              <a:t>12/20/2020</a:t>
             </a:fld>
             <a:endParaRPr lang="en-IN"/>
           </a:p>
@@ -1869,7 +1875,7 @@
             <a:fld id="{A8B84F8B-9F47-4931-9E22-59236C7C9D5C}" type="datetimeFigureOut">
               <a:rPr lang="en-US" smtClean="0"/>
               <a:pPr/>
-              <a:t>12/13/2020</a:t>
+              <a:t>12/20/2020</a:t>
             </a:fld>
             <a:endParaRPr lang="en-IN"/>
           </a:p>
@@ -1961,7 +1967,7 @@
             <a:fld id="{A8B84F8B-9F47-4931-9E22-59236C7C9D5C}" type="datetimeFigureOut">
               <a:rPr lang="en-US" smtClean="0"/>
               <a:pPr/>
-              <a:t>12/13/2020</a:t>
+              <a:t>12/20/2020</a:t>
             </a:fld>
             <a:endParaRPr lang="en-IN"/>
           </a:p>
@@ -2235,7 +2241,7 @@
             <a:fld id="{A8B84F8B-9F47-4931-9E22-59236C7C9D5C}" type="datetimeFigureOut">
               <a:rPr lang="en-US" smtClean="0"/>
               <a:pPr/>
-              <a:t>12/13/2020</a:t>
+              <a:t>12/20/2020</a:t>
             </a:fld>
             <a:endParaRPr lang="en-IN"/>
           </a:p>
@@ -2485,7 +2491,7 @@
             <a:fld id="{A8B84F8B-9F47-4931-9E22-59236C7C9D5C}" type="datetimeFigureOut">
               <a:rPr lang="en-US" smtClean="0"/>
               <a:pPr/>
-              <a:t>12/13/2020</a:t>
+              <a:t>12/20/2020</a:t>
             </a:fld>
             <a:endParaRPr lang="en-IN"/>
           </a:p>
@@ -2695,7 +2701,7 @@
             <a:fld id="{A8B84F8B-9F47-4931-9E22-59236C7C9D5C}" type="datetimeFigureOut">
               <a:rPr lang="en-US" smtClean="0"/>
               <a:pPr/>
-              <a:t>12/13/2020</a:t>
+              <a:t>12/20/2020</a:t>
             </a:fld>
             <a:endParaRPr lang="en-IN"/>
           </a:p>
@@ -3106,8 +3112,1762 @@
           <a:p>
             <a:r>
               <a:rPr lang="en-IN" dirty="0" smtClean="0"/>
-              <a:t>By Chetan</a:t>
-            </a:r>
+              <a:t>By Chetan </a:t>
+            </a:r>
+            <a:r>
+              <a:rPr lang="en-IN" dirty="0" err="1" smtClean="0"/>
+              <a:t>Bakshi</a:t>
+            </a:r>
+            <a:endParaRPr lang="en-IN" dirty="0" smtClean="0"/>
+          </a:p>
+        </p:txBody>
+      </p:sp>
+    </p:spTree>
+  </p:cSld>
+  <p:clrMapOvr>
+    <a:masterClrMapping/>
+  </p:clrMapOvr>
+</p:sld>
+</file>
+
+<file path=ppt/slides/slide10.xml><?xml version="1.0" encoding="utf-8"?>
+<p:sld xmlns:a="http://schemas.openxmlformats.org/drawingml/2006/main" xmlns:r="http://schemas.openxmlformats.org/officeDocument/2006/relationships" xmlns:p="http://schemas.openxmlformats.org/presentationml/2006/main">
+  <p:cSld>
+    <p:spTree>
+      <p:nvGrpSpPr>
+        <p:cNvPr id="1" name=""/>
+        <p:cNvGrpSpPr/>
+        <p:nvPr/>
+      </p:nvGrpSpPr>
+      <p:grpSpPr>
+        <a:xfrm>
+          <a:off x="0" y="0"/>
+          <a:ext cx="0" cy="0"/>
+          <a:chOff x="0" y="0"/>
+          <a:chExt cx="0" cy="0"/>
+        </a:xfrm>
+      </p:grpSpPr>
+      <p:sp>
+        <p:nvSpPr>
+          <p:cNvPr id="2" name="Title 1"/>
+          <p:cNvSpPr>
+            <a:spLocks noGrp="1"/>
+          </p:cNvSpPr>
+          <p:nvPr>
+            <p:ph type="title"/>
+          </p:nvPr>
+        </p:nvSpPr>
+        <p:spPr/>
+        <p:txBody>
+          <a:bodyPr/>
+          <a:lstStyle/>
+          <a:p>
+            <a:r>
+              <a:rPr lang="en-IN" dirty="0" smtClean="0"/>
+              <a:t>Class based component – Part 2</a:t>
+            </a:r>
+            <a:endParaRPr lang="en-IN" dirty="0"/>
+          </a:p>
+        </p:txBody>
+      </p:sp>
+      <p:sp>
+        <p:nvSpPr>
+          <p:cNvPr id="3" name="Content Placeholder 2"/>
+          <p:cNvSpPr>
+            <a:spLocks noGrp="1"/>
+          </p:cNvSpPr>
+          <p:nvPr>
+            <p:ph idx="1"/>
+          </p:nvPr>
+        </p:nvSpPr>
+        <p:spPr/>
+        <p:txBody>
+          <a:bodyPr>
+            <a:normAutofit fontScale="55000" lnSpcReduction="20000"/>
+          </a:bodyPr>
+          <a:lstStyle/>
+          <a:p>
+            <a:r>
+              <a:rPr lang="en-IN" dirty="0" smtClean="0"/>
+              <a:t>Life Cycle hook</a:t>
+            </a:r>
+          </a:p>
+          <a:p>
+            <a:r>
+              <a:rPr lang="en-IN" dirty="0" err="1" smtClean="0"/>
+              <a:t>componentDidMount</a:t>
+            </a:r>
+            <a:r>
+              <a:rPr lang="en-IN" dirty="0" smtClean="0"/>
+              <a:t> (content visible to screen)</a:t>
+            </a:r>
+          </a:p>
+          <a:p>
+            <a:r>
+              <a:rPr lang="en-IN" dirty="0" err="1" smtClean="0"/>
+              <a:t>componentDidUpdate</a:t>
+            </a:r>
+            <a:r>
+              <a:rPr lang="en-IN" dirty="0" smtClean="0"/>
+              <a:t> (sit and wait for updates)</a:t>
+            </a:r>
+          </a:p>
+          <a:p>
+            <a:r>
+              <a:rPr lang="en-IN" dirty="0" err="1" smtClean="0"/>
+              <a:t>componentWillUnmount</a:t>
+            </a:r>
+            <a:r>
+              <a:rPr lang="en-IN" dirty="0" smtClean="0"/>
+              <a:t> (sit and wait until this component is not longer shown)</a:t>
+            </a:r>
+          </a:p>
+          <a:p>
+            <a:r>
+              <a:rPr lang="en-IN" dirty="0" smtClean="0"/>
+              <a:t>Move navigation code from constructor to </a:t>
+            </a:r>
+            <a:r>
+              <a:rPr lang="en-IN" dirty="0" err="1" smtClean="0"/>
+              <a:t>componentDidMount</a:t>
+            </a:r>
+            <a:r>
+              <a:rPr lang="en-IN" dirty="0" smtClean="0"/>
+              <a:t> method</a:t>
+            </a:r>
+          </a:p>
+          <a:p>
+            <a:r>
+              <a:rPr lang="en-IN" dirty="0" smtClean="0"/>
+              <a:t>Move state initialization from constructor to outside the constructor and remove the constructor entirely </a:t>
+            </a:r>
+          </a:p>
+          <a:p>
+            <a:r>
+              <a:rPr lang="en-IN" dirty="0" smtClean="0"/>
+              <a:t>Import </a:t>
+            </a:r>
+            <a:r>
+              <a:rPr lang="en-IN" dirty="0" err="1" smtClean="0"/>
+              <a:t>DisplaySeason</a:t>
+            </a:r>
+            <a:r>
+              <a:rPr lang="en-IN" dirty="0" smtClean="0"/>
+              <a:t> in index.js file and use component in the render function</a:t>
+            </a:r>
+          </a:p>
+          <a:p>
+            <a:r>
+              <a:rPr lang="en-IN" dirty="0" smtClean="0"/>
+              <a:t>Pass state.lat value to </a:t>
+            </a:r>
+            <a:r>
+              <a:rPr lang="en-IN" dirty="0" err="1" smtClean="0"/>
+              <a:t>poperty</a:t>
+            </a:r>
+            <a:r>
+              <a:rPr lang="en-IN" dirty="0" smtClean="0"/>
+              <a:t> lat</a:t>
+            </a:r>
+          </a:p>
+          <a:p>
+            <a:pPr lvl="1">
+              <a:buNone/>
+            </a:pPr>
+            <a:r>
+              <a:rPr lang="en-IN" dirty="0" smtClean="0">
+                <a:latin typeface="Courier" pitchFamily="49" charset="0"/>
+                <a:cs typeface="Courier New" pitchFamily="49" charset="0"/>
+              </a:rPr>
+              <a:t>render() {</a:t>
+            </a:r>
+          </a:p>
+          <a:p>
+            <a:pPr lvl="1">
+              <a:buNone/>
+            </a:pPr>
+            <a:r>
+              <a:rPr lang="en-IN" dirty="0" smtClean="0">
+                <a:latin typeface="Courier" pitchFamily="49" charset="0"/>
+                <a:cs typeface="Courier New" pitchFamily="49" charset="0"/>
+              </a:rPr>
+              <a:t>    if (</a:t>
+            </a:r>
+            <a:r>
+              <a:rPr lang="en-IN" dirty="0" err="1" smtClean="0">
+                <a:latin typeface="Courier" pitchFamily="49" charset="0"/>
+                <a:cs typeface="Courier New" pitchFamily="49" charset="0"/>
+              </a:rPr>
+              <a:t>this.state.errorMessage</a:t>
+            </a:r>
+            <a:r>
+              <a:rPr lang="en-IN" dirty="0" smtClean="0">
+                <a:latin typeface="Courier" pitchFamily="49" charset="0"/>
+                <a:cs typeface="Courier New" pitchFamily="49" charset="0"/>
+              </a:rPr>
+              <a:t> &amp;&amp; !</a:t>
+            </a:r>
+            <a:r>
+              <a:rPr lang="en-IN" dirty="0" err="1" smtClean="0">
+                <a:latin typeface="Courier" pitchFamily="49" charset="0"/>
+                <a:cs typeface="Courier New" pitchFamily="49" charset="0"/>
+              </a:rPr>
+              <a:t>this.state.lat</a:t>
+            </a:r>
+            <a:r>
+              <a:rPr lang="en-IN" dirty="0" smtClean="0">
+                <a:latin typeface="Courier" pitchFamily="49" charset="0"/>
+                <a:cs typeface="Courier New" pitchFamily="49" charset="0"/>
+              </a:rPr>
+              <a:t>) {</a:t>
+            </a:r>
+          </a:p>
+          <a:p>
+            <a:pPr lvl="1">
+              <a:buNone/>
+            </a:pPr>
+            <a:r>
+              <a:rPr lang="en-IN" dirty="0" smtClean="0">
+                <a:latin typeface="Courier" pitchFamily="49" charset="0"/>
+                <a:cs typeface="Courier New" pitchFamily="49" charset="0"/>
+              </a:rPr>
+              <a:t>      return &lt;div&gt;Error: {</a:t>
+            </a:r>
+            <a:r>
+              <a:rPr lang="en-IN" dirty="0" err="1" smtClean="0">
+                <a:latin typeface="Courier" pitchFamily="49" charset="0"/>
+                <a:cs typeface="Courier New" pitchFamily="49" charset="0"/>
+              </a:rPr>
+              <a:t>this.state.errorMessage</a:t>
+            </a:r>
+            <a:r>
+              <a:rPr lang="en-IN" dirty="0" smtClean="0">
+                <a:latin typeface="Courier" pitchFamily="49" charset="0"/>
+                <a:cs typeface="Courier New" pitchFamily="49" charset="0"/>
+              </a:rPr>
+              <a:t>}&lt;/div&gt;</a:t>
+            </a:r>
+          </a:p>
+          <a:p>
+            <a:pPr lvl="1">
+              <a:buNone/>
+            </a:pPr>
+            <a:r>
+              <a:rPr lang="en-IN" dirty="0" smtClean="0">
+                <a:latin typeface="Courier" pitchFamily="49" charset="0"/>
+                <a:cs typeface="Courier New" pitchFamily="49" charset="0"/>
+              </a:rPr>
+              <a:t>    }</a:t>
+            </a:r>
+          </a:p>
+          <a:p>
+            <a:pPr lvl="1">
+              <a:buNone/>
+            </a:pPr>
+            <a:r>
+              <a:rPr lang="en-IN" dirty="0" smtClean="0">
+                <a:latin typeface="Courier" pitchFamily="49" charset="0"/>
+                <a:cs typeface="Courier New" pitchFamily="49" charset="0"/>
+              </a:rPr>
+              <a:t>    if (!</a:t>
+            </a:r>
+            <a:r>
+              <a:rPr lang="en-IN" dirty="0" err="1" smtClean="0">
+                <a:latin typeface="Courier" pitchFamily="49" charset="0"/>
+                <a:cs typeface="Courier New" pitchFamily="49" charset="0"/>
+              </a:rPr>
+              <a:t>this.state.errorMessage</a:t>
+            </a:r>
+            <a:r>
+              <a:rPr lang="en-IN" dirty="0" smtClean="0">
+                <a:latin typeface="Courier" pitchFamily="49" charset="0"/>
+                <a:cs typeface="Courier New" pitchFamily="49" charset="0"/>
+              </a:rPr>
+              <a:t> &amp;&amp; </a:t>
+            </a:r>
+            <a:r>
+              <a:rPr lang="en-IN" dirty="0" err="1" smtClean="0">
+                <a:latin typeface="Courier" pitchFamily="49" charset="0"/>
+                <a:cs typeface="Courier New" pitchFamily="49" charset="0"/>
+              </a:rPr>
+              <a:t>this.state.lat</a:t>
+            </a:r>
+            <a:r>
+              <a:rPr lang="en-IN" dirty="0" smtClean="0">
+                <a:latin typeface="Courier" pitchFamily="49" charset="0"/>
+                <a:cs typeface="Courier New" pitchFamily="49" charset="0"/>
+              </a:rPr>
+              <a:t>) {</a:t>
+            </a:r>
+          </a:p>
+          <a:p>
+            <a:pPr lvl="1">
+              <a:buNone/>
+            </a:pPr>
+            <a:r>
+              <a:rPr lang="en-IN" dirty="0" smtClean="0">
+                <a:latin typeface="Courier" pitchFamily="49" charset="0"/>
+                <a:cs typeface="Courier New" pitchFamily="49" charset="0"/>
+              </a:rPr>
+              <a:t>      return &lt;</a:t>
+            </a:r>
+            <a:r>
+              <a:rPr lang="en-IN" dirty="0" err="1" smtClean="0">
+                <a:latin typeface="Courier" pitchFamily="49" charset="0"/>
+                <a:cs typeface="Courier New" pitchFamily="49" charset="0"/>
+              </a:rPr>
+              <a:t>DisplaySeason</a:t>
+            </a:r>
+            <a:r>
+              <a:rPr lang="en-IN" dirty="0" smtClean="0">
+                <a:latin typeface="Courier" pitchFamily="49" charset="0"/>
+                <a:cs typeface="Courier New" pitchFamily="49" charset="0"/>
+              </a:rPr>
+              <a:t> lat={</a:t>
+            </a:r>
+            <a:r>
+              <a:rPr lang="en-IN" dirty="0" err="1" smtClean="0">
+                <a:latin typeface="Courier" pitchFamily="49" charset="0"/>
+                <a:cs typeface="Courier New" pitchFamily="49" charset="0"/>
+              </a:rPr>
+              <a:t>this.state.lat</a:t>
+            </a:r>
+            <a:r>
+              <a:rPr lang="en-IN" dirty="0" smtClean="0">
+                <a:latin typeface="Courier" pitchFamily="49" charset="0"/>
+                <a:cs typeface="Courier New" pitchFamily="49" charset="0"/>
+              </a:rPr>
+              <a:t>} /&gt;</a:t>
+            </a:r>
+          </a:p>
+          <a:p>
+            <a:pPr lvl="1">
+              <a:buNone/>
+            </a:pPr>
+            <a:r>
+              <a:rPr lang="en-IN" dirty="0" smtClean="0">
+                <a:latin typeface="Courier" pitchFamily="49" charset="0"/>
+                <a:cs typeface="Courier New" pitchFamily="49" charset="0"/>
+              </a:rPr>
+              <a:t>    }</a:t>
+            </a:r>
+          </a:p>
+          <a:p>
+            <a:pPr lvl="1">
+              <a:buNone/>
+            </a:pPr>
+            <a:r>
+              <a:rPr lang="en-IN" dirty="0" smtClean="0">
+                <a:latin typeface="Courier" pitchFamily="49" charset="0"/>
+                <a:cs typeface="Courier New" pitchFamily="49" charset="0"/>
+              </a:rPr>
+              <a:t>    return &lt;div&gt;Loading ...&lt;/div&gt;</a:t>
+            </a:r>
+          </a:p>
+          <a:p>
+            <a:pPr lvl="1">
+              <a:buNone/>
+            </a:pPr>
+            <a:r>
+              <a:rPr lang="en-IN" dirty="0" smtClean="0">
+                <a:latin typeface="Courier" pitchFamily="49" charset="0"/>
+                <a:cs typeface="Courier New" pitchFamily="49" charset="0"/>
+              </a:rPr>
+              <a:t>}</a:t>
+            </a:r>
+          </a:p>
+          <a:p>
+            <a:endParaRPr lang="en-IN" dirty="0" smtClean="0"/>
+          </a:p>
+          <a:p>
+            <a:endParaRPr lang="en-IN" dirty="0"/>
+          </a:p>
+        </p:txBody>
+      </p:sp>
+    </p:spTree>
+  </p:cSld>
+  <p:clrMapOvr>
+    <a:masterClrMapping/>
+  </p:clrMapOvr>
+</p:sld>
+</file>
+
+<file path=ppt/slides/slide11.xml><?xml version="1.0" encoding="utf-8"?>
+<p:sld xmlns:a="http://schemas.openxmlformats.org/drawingml/2006/main" xmlns:r="http://schemas.openxmlformats.org/officeDocument/2006/relationships" xmlns:p="http://schemas.openxmlformats.org/presentationml/2006/main">
+  <p:cSld>
+    <p:spTree>
+      <p:nvGrpSpPr>
+        <p:cNvPr id="1" name=""/>
+        <p:cNvGrpSpPr/>
+        <p:nvPr/>
+      </p:nvGrpSpPr>
+      <p:grpSpPr>
+        <a:xfrm>
+          <a:off x="0" y="0"/>
+          <a:ext cx="0" cy="0"/>
+          <a:chOff x="0" y="0"/>
+          <a:chExt cx="0" cy="0"/>
+        </a:xfrm>
+      </p:grpSpPr>
+      <p:sp>
+        <p:nvSpPr>
+          <p:cNvPr id="2" name="Title 1"/>
+          <p:cNvSpPr>
+            <a:spLocks noGrp="1"/>
+          </p:cNvSpPr>
+          <p:nvPr>
+            <p:ph type="title"/>
+          </p:nvPr>
+        </p:nvSpPr>
+        <p:spPr/>
+        <p:txBody>
+          <a:bodyPr/>
+          <a:lstStyle/>
+          <a:p>
+            <a:r>
+              <a:rPr lang="en-IN" dirty="0" smtClean="0"/>
+              <a:t>Class Based Component – Part 3</a:t>
+            </a:r>
+            <a:endParaRPr lang="en-IN" dirty="0"/>
+          </a:p>
+        </p:txBody>
+      </p:sp>
+      <p:sp>
+        <p:nvSpPr>
+          <p:cNvPr id="3" name="Content Placeholder 2"/>
+          <p:cNvSpPr>
+            <a:spLocks noGrp="1"/>
+          </p:cNvSpPr>
+          <p:nvPr>
+            <p:ph idx="1"/>
+          </p:nvPr>
+        </p:nvSpPr>
+        <p:spPr/>
+        <p:txBody>
+          <a:bodyPr>
+            <a:normAutofit fontScale="47500" lnSpcReduction="20000"/>
+          </a:bodyPr>
+          <a:lstStyle/>
+          <a:p>
+            <a:r>
+              <a:rPr lang="en-IN" dirty="0" smtClean="0"/>
+              <a:t>Write a logic for get season in a method and display season based on hemisphere</a:t>
+            </a:r>
+          </a:p>
+          <a:p>
+            <a:pPr lvl="1">
+              <a:buNone/>
+            </a:pPr>
+            <a:r>
+              <a:rPr lang="en-IN" dirty="0" err="1" smtClean="0">
+                <a:latin typeface="Courier" pitchFamily="49" charset="0"/>
+              </a:rPr>
+              <a:t>getSeason</a:t>
+            </a:r>
+            <a:r>
+              <a:rPr lang="en-IN" dirty="0" smtClean="0">
+                <a:latin typeface="Courier" pitchFamily="49" charset="0"/>
+              </a:rPr>
+              <a:t>(lat, month) {</a:t>
+            </a:r>
+          </a:p>
+          <a:p>
+            <a:pPr lvl="1">
+              <a:buNone/>
+            </a:pPr>
+            <a:r>
+              <a:rPr lang="en-IN" dirty="0" smtClean="0">
+                <a:latin typeface="Courier" pitchFamily="49" charset="0"/>
+              </a:rPr>
+              <a:t>    if (month &gt; 2 &amp;&amp; month &lt; 9) {</a:t>
+            </a:r>
+          </a:p>
+          <a:p>
+            <a:pPr lvl="1">
+              <a:buNone/>
+            </a:pPr>
+            <a:r>
+              <a:rPr lang="en-IN" dirty="0" smtClean="0">
+                <a:latin typeface="Courier" pitchFamily="49" charset="0"/>
+              </a:rPr>
+              <a:t>      return lat &gt; 0 ? "summer" : "winter";</a:t>
+            </a:r>
+          </a:p>
+          <a:p>
+            <a:pPr lvl="1">
+              <a:buNone/>
+            </a:pPr>
+            <a:r>
+              <a:rPr lang="en-IN" dirty="0" smtClean="0">
+                <a:latin typeface="Courier" pitchFamily="49" charset="0"/>
+              </a:rPr>
+              <a:t>    } else {</a:t>
+            </a:r>
+          </a:p>
+          <a:p>
+            <a:pPr lvl="1">
+              <a:buNone/>
+            </a:pPr>
+            <a:r>
+              <a:rPr lang="en-IN" dirty="0" smtClean="0">
+                <a:latin typeface="Courier" pitchFamily="49" charset="0"/>
+              </a:rPr>
+              <a:t>      return lat &gt; 0 ? "winter" : "summer";</a:t>
+            </a:r>
+          </a:p>
+          <a:p>
+            <a:pPr lvl="1">
+              <a:buNone/>
+            </a:pPr>
+            <a:r>
+              <a:rPr lang="en-IN" dirty="0" smtClean="0">
+                <a:latin typeface="Courier" pitchFamily="49" charset="0"/>
+              </a:rPr>
+              <a:t>    }</a:t>
+            </a:r>
+          </a:p>
+          <a:p>
+            <a:pPr lvl="1">
+              <a:buNone/>
+            </a:pPr>
+            <a:r>
+              <a:rPr lang="en-IN" dirty="0" smtClean="0">
+                <a:latin typeface="Courier" pitchFamily="49" charset="0"/>
+              </a:rPr>
+              <a:t>  }</a:t>
+            </a:r>
+          </a:p>
+          <a:p>
+            <a:pPr lvl="1">
+              <a:buNone/>
+            </a:pPr>
+            <a:r>
+              <a:rPr lang="en-IN" dirty="0" smtClean="0">
+                <a:latin typeface="Courier" pitchFamily="49" charset="0"/>
+              </a:rPr>
+              <a:t>constructor(props) {</a:t>
+            </a:r>
+          </a:p>
+          <a:p>
+            <a:pPr lvl="1">
+              <a:buNone/>
+            </a:pPr>
+            <a:r>
+              <a:rPr lang="en-IN" dirty="0" smtClean="0">
+                <a:latin typeface="Courier" pitchFamily="49" charset="0"/>
+              </a:rPr>
+              <a:t>    super(props);</a:t>
+            </a:r>
+          </a:p>
+          <a:p>
+            <a:pPr lvl="1">
+              <a:buNone/>
+            </a:pPr>
+            <a:r>
+              <a:rPr lang="en-IN" dirty="0" smtClean="0">
+                <a:latin typeface="Courier" pitchFamily="49" charset="0"/>
+              </a:rPr>
+              <a:t>    const season = </a:t>
+            </a:r>
+            <a:r>
+              <a:rPr lang="en-IN" dirty="0" err="1" smtClean="0">
+                <a:latin typeface="Courier" pitchFamily="49" charset="0"/>
+              </a:rPr>
+              <a:t>this.getSeason</a:t>
+            </a:r>
+            <a:r>
+              <a:rPr lang="en-IN" dirty="0" smtClean="0">
+                <a:latin typeface="Courier" pitchFamily="49" charset="0"/>
+              </a:rPr>
+              <a:t>(props.lat, new Date().</a:t>
+            </a:r>
+            <a:r>
+              <a:rPr lang="en-IN" dirty="0" err="1" smtClean="0">
+                <a:latin typeface="Courier" pitchFamily="49" charset="0"/>
+              </a:rPr>
+              <a:t>getMonth</a:t>
+            </a:r>
+            <a:r>
+              <a:rPr lang="en-IN" dirty="0" smtClean="0">
+                <a:latin typeface="Courier" pitchFamily="49" charset="0"/>
+              </a:rPr>
+              <a:t>());</a:t>
+            </a:r>
+          </a:p>
+          <a:p>
+            <a:pPr lvl="1">
+              <a:buNone/>
+            </a:pPr>
+            <a:r>
+              <a:rPr lang="en-IN" dirty="0" smtClean="0">
+                <a:latin typeface="Courier" pitchFamily="49" charset="0"/>
+              </a:rPr>
+              <a:t>    </a:t>
+            </a:r>
+            <a:r>
+              <a:rPr lang="en-IN" dirty="0" err="1" smtClean="0">
+                <a:latin typeface="Courier" pitchFamily="49" charset="0"/>
+              </a:rPr>
+              <a:t>this.label</a:t>
+            </a:r>
+            <a:r>
+              <a:rPr lang="en-IN" dirty="0" smtClean="0">
+                <a:latin typeface="Courier" pitchFamily="49" charset="0"/>
+              </a:rPr>
+              <a:t> = season === "winter" ? "SUMMER" : "WINTER"</a:t>
+            </a:r>
+          </a:p>
+          <a:p>
+            <a:pPr lvl="1">
+              <a:buNone/>
+            </a:pPr>
+            <a:r>
+              <a:rPr lang="en-IN" dirty="0" smtClean="0">
+                <a:latin typeface="Courier" pitchFamily="49" charset="0"/>
+              </a:rPr>
+              <a:t>    console.log("Season --&gt; ", season);</a:t>
+            </a:r>
+          </a:p>
+          <a:p>
+            <a:pPr lvl="1">
+              <a:buNone/>
+            </a:pPr>
+            <a:r>
+              <a:rPr lang="en-IN" dirty="0" smtClean="0">
+                <a:latin typeface="Courier" pitchFamily="49" charset="0"/>
+              </a:rPr>
+              <a:t>  }</a:t>
+            </a:r>
+          </a:p>
+          <a:p>
+            <a:pPr lvl="1">
+              <a:buNone/>
+            </a:pPr>
+            <a:r>
+              <a:rPr lang="en-IN" dirty="0" smtClean="0">
+                <a:latin typeface="Courier" pitchFamily="49" charset="0"/>
+              </a:rPr>
+              <a:t>  render() {</a:t>
+            </a:r>
+          </a:p>
+          <a:p>
+            <a:pPr lvl="1">
+              <a:buNone/>
+            </a:pPr>
+            <a:r>
+              <a:rPr lang="en-IN" dirty="0" smtClean="0">
+                <a:latin typeface="Courier" pitchFamily="49" charset="0"/>
+              </a:rPr>
+              <a:t>    return (</a:t>
+            </a:r>
+          </a:p>
+          <a:p>
+            <a:pPr lvl="1">
+              <a:buNone/>
+            </a:pPr>
+            <a:r>
+              <a:rPr lang="en-IN" dirty="0" smtClean="0">
+                <a:latin typeface="Courier" pitchFamily="49" charset="0"/>
+              </a:rPr>
+              <a:t>      &lt;div&gt;</a:t>
+            </a:r>
+          </a:p>
+          <a:p>
+            <a:pPr lvl="1">
+              <a:buNone/>
+            </a:pPr>
+            <a:r>
+              <a:rPr lang="en-IN" dirty="0" smtClean="0">
+                <a:latin typeface="Courier" pitchFamily="49" charset="0"/>
+              </a:rPr>
+              <a:t>        &lt;h1&gt;{</a:t>
+            </a:r>
+            <a:r>
+              <a:rPr lang="en-IN" dirty="0" err="1" smtClean="0">
+                <a:latin typeface="Courier" pitchFamily="49" charset="0"/>
+              </a:rPr>
+              <a:t>this.label</a:t>
+            </a:r>
+            <a:r>
+              <a:rPr lang="en-IN" dirty="0" smtClean="0">
+                <a:latin typeface="Courier" pitchFamily="49" charset="0"/>
+              </a:rPr>
+              <a:t>}&lt;/h1&gt;</a:t>
+            </a:r>
+          </a:p>
+          <a:p>
+            <a:pPr lvl="1">
+              <a:buNone/>
+            </a:pPr>
+            <a:r>
+              <a:rPr lang="en-IN" dirty="0" smtClean="0">
+                <a:latin typeface="Courier" pitchFamily="49" charset="0"/>
+              </a:rPr>
+              <a:t>      &lt;/div&gt;</a:t>
+            </a:r>
+          </a:p>
+          <a:p>
+            <a:pPr lvl="1">
+              <a:buNone/>
+            </a:pPr>
+            <a:r>
+              <a:rPr lang="en-IN" dirty="0" smtClean="0">
+                <a:latin typeface="Courier" pitchFamily="49" charset="0"/>
+              </a:rPr>
+              <a:t>    )</a:t>
+            </a:r>
+          </a:p>
+          <a:p>
+            <a:pPr lvl="1">
+              <a:buNone/>
+            </a:pPr>
+            <a:r>
+              <a:rPr lang="en-IN" dirty="0" smtClean="0">
+                <a:latin typeface="Courier" pitchFamily="49" charset="0"/>
+              </a:rPr>
+              <a:t>  }</a:t>
+            </a:r>
+          </a:p>
+          <a:p>
+            <a:pPr lvl="1">
+              <a:buNone/>
+            </a:pPr>
+            <a:endParaRPr lang="en-IN" dirty="0" smtClean="0">
+              <a:latin typeface="Courier" pitchFamily="49" charset="0"/>
+            </a:endParaRPr>
+          </a:p>
+          <a:p>
+            <a:endParaRPr lang="en-IN" dirty="0"/>
+          </a:p>
+        </p:txBody>
+      </p:sp>
+    </p:spTree>
+  </p:cSld>
+  <p:clrMapOvr>
+    <a:masterClrMapping/>
+  </p:clrMapOvr>
+</p:sld>
+</file>
+
+<file path=ppt/slides/slide12.xml><?xml version="1.0" encoding="utf-8"?>
+<p:sld xmlns:a="http://schemas.openxmlformats.org/drawingml/2006/main" xmlns:r="http://schemas.openxmlformats.org/officeDocument/2006/relationships" xmlns:p="http://schemas.openxmlformats.org/presentationml/2006/main">
+  <p:cSld>
+    <p:spTree>
+      <p:nvGrpSpPr>
+        <p:cNvPr id="1" name=""/>
+        <p:cNvGrpSpPr/>
+        <p:nvPr/>
+      </p:nvGrpSpPr>
+      <p:grpSpPr>
+        <a:xfrm>
+          <a:off x="0" y="0"/>
+          <a:ext cx="0" cy="0"/>
+          <a:chOff x="0" y="0"/>
+          <a:chExt cx="0" cy="0"/>
+        </a:xfrm>
+      </p:grpSpPr>
+      <p:sp>
+        <p:nvSpPr>
+          <p:cNvPr id="2" name="Title 1"/>
+          <p:cNvSpPr>
+            <a:spLocks noGrp="1"/>
+          </p:cNvSpPr>
+          <p:nvPr>
+            <p:ph type="title"/>
+          </p:nvPr>
+        </p:nvSpPr>
+        <p:spPr/>
+        <p:txBody>
+          <a:bodyPr/>
+          <a:lstStyle/>
+          <a:p>
+            <a:r>
+              <a:rPr lang="en-IN" dirty="0" smtClean="0"/>
+              <a:t>Class Based Component – Part 4</a:t>
+            </a:r>
+            <a:endParaRPr lang="en-IN" dirty="0"/>
+          </a:p>
+        </p:txBody>
+      </p:sp>
+      <p:sp>
+        <p:nvSpPr>
+          <p:cNvPr id="3" name="Content Placeholder 2"/>
+          <p:cNvSpPr>
+            <a:spLocks noGrp="1"/>
+          </p:cNvSpPr>
+          <p:nvPr>
+            <p:ph idx="1"/>
+          </p:nvPr>
+        </p:nvSpPr>
+        <p:spPr/>
+        <p:txBody>
+          <a:bodyPr>
+            <a:normAutofit fontScale="55000" lnSpcReduction="20000"/>
+          </a:bodyPr>
+          <a:lstStyle/>
+          <a:p>
+            <a:r>
+              <a:rPr lang="en-IN" dirty="0" smtClean="0"/>
+              <a:t>Based on season display season icon</a:t>
+            </a:r>
+          </a:p>
+          <a:p>
+            <a:pPr lvl="1">
+              <a:buNone/>
+            </a:pPr>
+            <a:r>
+              <a:rPr lang="en-IN" dirty="0" smtClean="0">
+                <a:latin typeface="Courier" pitchFamily="49" charset="0"/>
+              </a:rPr>
+              <a:t>constructor(props) {</a:t>
+            </a:r>
+          </a:p>
+          <a:p>
+            <a:pPr lvl="1">
+              <a:buNone/>
+            </a:pPr>
+            <a:r>
+              <a:rPr lang="en-IN" dirty="0" smtClean="0">
+                <a:latin typeface="Courier" pitchFamily="49" charset="0"/>
+              </a:rPr>
+              <a:t>    super(props);</a:t>
+            </a:r>
+          </a:p>
+          <a:p>
+            <a:pPr lvl="1">
+              <a:buNone/>
+            </a:pPr>
+            <a:r>
+              <a:rPr lang="en-IN" dirty="0" smtClean="0">
+                <a:latin typeface="Courier" pitchFamily="49" charset="0"/>
+              </a:rPr>
+              <a:t>    const season = </a:t>
+            </a:r>
+            <a:r>
+              <a:rPr lang="en-IN" dirty="0" err="1" smtClean="0">
+                <a:latin typeface="Courier" pitchFamily="49" charset="0"/>
+              </a:rPr>
+              <a:t>this.getSeason</a:t>
+            </a:r>
+            <a:r>
+              <a:rPr lang="en-IN" dirty="0" smtClean="0">
+                <a:latin typeface="Courier" pitchFamily="49" charset="0"/>
+              </a:rPr>
+              <a:t>(props.lat, new Date().</a:t>
+            </a:r>
+            <a:r>
+              <a:rPr lang="en-IN" dirty="0" err="1" smtClean="0">
+                <a:latin typeface="Courier" pitchFamily="49" charset="0"/>
+              </a:rPr>
+              <a:t>getMonth</a:t>
+            </a:r>
+            <a:r>
+              <a:rPr lang="en-IN" dirty="0" smtClean="0">
+                <a:latin typeface="Courier" pitchFamily="49" charset="0"/>
+              </a:rPr>
+              <a:t>());</a:t>
+            </a:r>
+          </a:p>
+          <a:p>
+            <a:pPr lvl="1">
+              <a:buNone/>
+            </a:pPr>
+            <a:r>
+              <a:rPr lang="en-IN" dirty="0" smtClean="0">
+                <a:latin typeface="Courier" pitchFamily="49" charset="0"/>
+              </a:rPr>
+              <a:t>    </a:t>
+            </a:r>
+            <a:r>
+              <a:rPr lang="en-IN" dirty="0" err="1" smtClean="0">
+                <a:latin typeface="Courier" pitchFamily="49" charset="0"/>
+              </a:rPr>
+              <a:t>this.label</a:t>
+            </a:r>
+            <a:r>
+              <a:rPr lang="en-IN" dirty="0" smtClean="0">
+                <a:latin typeface="Courier" pitchFamily="49" charset="0"/>
+              </a:rPr>
+              <a:t> = season === "winter" ? "SUMMER" : "WINTER"</a:t>
+            </a:r>
+          </a:p>
+          <a:p>
+            <a:pPr lvl="1">
+              <a:buNone/>
+            </a:pPr>
+            <a:r>
+              <a:rPr lang="en-IN" dirty="0" smtClean="0">
+                <a:latin typeface="Courier" pitchFamily="49" charset="0"/>
+              </a:rPr>
+              <a:t>    </a:t>
+            </a:r>
+            <a:r>
+              <a:rPr lang="en-IN" dirty="0" err="1" smtClean="0">
+                <a:latin typeface="Courier" pitchFamily="49" charset="0"/>
+              </a:rPr>
+              <a:t>this.icon</a:t>
+            </a:r>
+            <a:r>
+              <a:rPr lang="en-IN" dirty="0" smtClean="0">
+                <a:latin typeface="Courier" pitchFamily="49" charset="0"/>
+              </a:rPr>
+              <a:t> = season === "winter" ? "snowflake" : "sun"</a:t>
+            </a:r>
+          </a:p>
+          <a:p>
+            <a:pPr lvl="1">
+              <a:buNone/>
+            </a:pPr>
+            <a:r>
+              <a:rPr lang="en-IN" dirty="0" smtClean="0">
+                <a:latin typeface="Courier" pitchFamily="49" charset="0"/>
+              </a:rPr>
+              <a:t>  }</a:t>
+            </a:r>
+          </a:p>
+          <a:p>
+            <a:pPr lvl="1">
+              <a:buNone/>
+            </a:pPr>
+            <a:r>
+              <a:rPr lang="en-IN" dirty="0" smtClean="0">
+                <a:latin typeface="Courier" pitchFamily="49" charset="0"/>
+              </a:rPr>
+              <a:t>  render() {</a:t>
+            </a:r>
+          </a:p>
+          <a:p>
+            <a:pPr lvl="1">
+              <a:buNone/>
+            </a:pPr>
+            <a:r>
+              <a:rPr lang="en-IN" dirty="0" smtClean="0">
+                <a:latin typeface="Courier" pitchFamily="49" charset="0"/>
+              </a:rPr>
+              <a:t>    return (</a:t>
+            </a:r>
+          </a:p>
+          <a:p>
+            <a:pPr lvl="1">
+              <a:buNone/>
+            </a:pPr>
+            <a:r>
+              <a:rPr lang="en-IN" dirty="0" smtClean="0">
+                <a:latin typeface="Courier" pitchFamily="49" charset="0"/>
+              </a:rPr>
+              <a:t>      &lt;div&gt;</a:t>
+            </a:r>
+          </a:p>
+          <a:p>
+            <a:pPr lvl="1">
+              <a:buNone/>
+            </a:pPr>
+            <a:r>
+              <a:rPr lang="en-IN" dirty="0" smtClean="0">
+                <a:latin typeface="Courier" pitchFamily="49" charset="0"/>
+              </a:rPr>
+              <a:t>        &lt;</a:t>
+            </a:r>
+            <a:r>
+              <a:rPr lang="en-IN" dirty="0" err="1" smtClean="0">
+                <a:latin typeface="Courier" pitchFamily="49" charset="0"/>
+              </a:rPr>
+              <a:t>i</a:t>
+            </a:r>
+            <a:r>
+              <a:rPr lang="en-IN" dirty="0" smtClean="0">
+                <a:latin typeface="Courier" pitchFamily="49" charset="0"/>
+              </a:rPr>
+              <a:t> </a:t>
+            </a:r>
+            <a:r>
+              <a:rPr lang="en-IN" dirty="0" err="1" smtClean="0">
+                <a:latin typeface="Courier" pitchFamily="49" charset="0"/>
+              </a:rPr>
+              <a:t>className</a:t>
+            </a:r>
+            <a:r>
+              <a:rPr lang="en-IN" dirty="0" smtClean="0">
+                <a:latin typeface="Courier" pitchFamily="49" charset="0"/>
+              </a:rPr>
+              <a:t>={`${</a:t>
+            </a:r>
+            <a:r>
+              <a:rPr lang="en-IN" dirty="0" err="1" smtClean="0">
+                <a:latin typeface="Courier" pitchFamily="49" charset="0"/>
+              </a:rPr>
+              <a:t>this.icon</a:t>
+            </a:r>
+            <a:r>
+              <a:rPr lang="en-IN" dirty="0" smtClean="0">
+                <a:latin typeface="Courier" pitchFamily="49" charset="0"/>
+              </a:rPr>
+              <a:t>} icon`}&gt;&lt;/</a:t>
+            </a:r>
+            <a:r>
+              <a:rPr lang="en-IN" dirty="0" err="1" smtClean="0">
+                <a:latin typeface="Courier" pitchFamily="49" charset="0"/>
+              </a:rPr>
+              <a:t>i</a:t>
+            </a:r>
+            <a:r>
+              <a:rPr lang="en-IN" dirty="0" smtClean="0">
+                <a:latin typeface="Courier" pitchFamily="49" charset="0"/>
+              </a:rPr>
+              <a:t>&gt;</a:t>
+            </a:r>
+          </a:p>
+          <a:p>
+            <a:pPr lvl="1">
+              <a:buNone/>
+            </a:pPr>
+            <a:r>
+              <a:rPr lang="en-IN" dirty="0" smtClean="0">
+                <a:latin typeface="Courier" pitchFamily="49" charset="0"/>
+              </a:rPr>
+              <a:t>        &lt;h1&gt;{</a:t>
+            </a:r>
+            <a:r>
+              <a:rPr lang="en-IN" dirty="0" err="1" smtClean="0">
+                <a:latin typeface="Courier" pitchFamily="49" charset="0"/>
+              </a:rPr>
+              <a:t>this.label</a:t>
+            </a:r>
+            <a:r>
+              <a:rPr lang="en-IN" dirty="0" smtClean="0">
+                <a:latin typeface="Courier" pitchFamily="49" charset="0"/>
+              </a:rPr>
+              <a:t>}&lt;/h1&gt;</a:t>
+            </a:r>
+          </a:p>
+          <a:p>
+            <a:pPr lvl="1">
+              <a:buNone/>
+            </a:pPr>
+            <a:r>
+              <a:rPr lang="en-IN" dirty="0" smtClean="0">
+                <a:latin typeface="Courier" pitchFamily="49" charset="0"/>
+              </a:rPr>
+              <a:t>      &lt;/div&gt;</a:t>
+            </a:r>
+          </a:p>
+          <a:p>
+            <a:pPr lvl="1">
+              <a:buNone/>
+            </a:pPr>
+            <a:r>
+              <a:rPr lang="en-IN" dirty="0" smtClean="0">
+                <a:latin typeface="Courier" pitchFamily="49" charset="0"/>
+              </a:rPr>
+              <a:t>    )</a:t>
+            </a:r>
+          </a:p>
+          <a:p>
+            <a:pPr lvl="1">
+              <a:buNone/>
+            </a:pPr>
+            <a:r>
+              <a:rPr lang="en-IN" dirty="0" smtClean="0">
+                <a:latin typeface="Courier" pitchFamily="49" charset="0"/>
+              </a:rPr>
+              <a:t>  }</a:t>
+            </a:r>
+          </a:p>
+          <a:p>
+            <a:endParaRPr lang="en-IN" dirty="0"/>
+          </a:p>
+        </p:txBody>
+      </p:sp>
+    </p:spTree>
+  </p:cSld>
+  <p:clrMapOvr>
+    <a:masterClrMapping/>
+  </p:clrMapOvr>
+</p:sld>
+</file>
+
+<file path=ppt/slides/slide13.xml><?xml version="1.0" encoding="utf-8"?>
+<p:sld xmlns:a="http://schemas.openxmlformats.org/drawingml/2006/main" xmlns:r="http://schemas.openxmlformats.org/officeDocument/2006/relationships" xmlns:p="http://schemas.openxmlformats.org/presentationml/2006/main">
+  <p:cSld>
+    <p:spTree>
+      <p:nvGrpSpPr>
+        <p:cNvPr id="1" name=""/>
+        <p:cNvGrpSpPr/>
+        <p:nvPr/>
+      </p:nvGrpSpPr>
+      <p:grpSpPr>
+        <a:xfrm>
+          <a:off x="0" y="0"/>
+          <a:ext cx="0" cy="0"/>
+          <a:chOff x="0" y="0"/>
+          <a:chExt cx="0" cy="0"/>
+        </a:xfrm>
+      </p:grpSpPr>
+      <p:sp>
+        <p:nvSpPr>
+          <p:cNvPr id="2" name="Title 1"/>
+          <p:cNvSpPr>
+            <a:spLocks noGrp="1"/>
+          </p:cNvSpPr>
+          <p:nvPr>
+            <p:ph type="title"/>
+          </p:nvPr>
+        </p:nvSpPr>
+        <p:spPr/>
+        <p:txBody>
+          <a:bodyPr/>
+          <a:lstStyle/>
+          <a:p>
+            <a:r>
+              <a:rPr lang="en-IN" dirty="0" smtClean="0"/>
+              <a:t>Class Based Component – Part 5</a:t>
+            </a:r>
+            <a:endParaRPr lang="en-IN" dirty="0"/>
+          </a:p>
+        </p:txBody>
+      </p:sp>
+      <p:sp>
+        <p:nvSpPr>
+          <p:cNvPr id="3" name="Content Placeholder 2"/>
+          <p:cNvSpPr>
+            <a:spLocks noGrp="1"/>
+          </p:cNvSpPr>
+          <p:nvPr>
+            <p:ph idx="1"/>
+          </p:nvPr>
+        </p:nvSpPr>
+        <p:spPr/>
+        <p:txBody>
+          <a:bodyPr>
+            <a:normAutofit fontScale="32500" lnSpcReduction="20000"/>
+          </a:bodyPr>
+          <a:lstStyle/>
+          <a:p>
+            <a:r>
+              <a:rPr lang="en-IN" dirty="0" smtClean="0"/>
+              <a:t>Create </a:t>
+            </a:r>
+            <a:r>
+              <a:rPr lang="en-IN" dirty="0" err="1" smtClean="0"/>
+              <a:t>config</a:t>
+            </a:r>
+            <a:r>
+              <a:rPr lang="en-IN" dirty="0" smtClean="0"/>
+              <a:t> object for icon and season</a:t>
+            </a:r>
+          </a:p>
+          <a:p>
+            <a:pPr lvl="1">
+              <a:buNone/>
+            </a:pPr>
+            <a:r>
+              <a:rPr lang="en-IN" dirty="0" smtClean="0">
+                <a:latin typeface="Courier" pitchFamily="49" charset="0"/>
+              </a:rPr>
+              <a:t>class </a:t>
+            </a:r>
+            <a:r>
+              <a:rPr lang="en-IN" dirty="0" err="1" smtClean="0">
+                <a:latin typeface="Courier" pitchFamily="49" charset="0"/>
+              </a:rPr>
+              <a:t>DisplaySeason</a:t>
+            </a:r>
+            <a:r>
+              <a:rPr lang="en-IN" dirty="0" smtClean="0">
+                <a:latin typeface="Courier" pitchFamily="49" charset="0"/>
+              </a:rPr>
+              <a:t> extends </a:t>
+            </a:r>
+            <a:r>
+              <a:rPr lang="en-IN" dirty="0" err="1" smtClean="0">
+                <a:latin typeface="Courier" pitchFamily="49" charset="0"/>
+              </a:rPr>
+              <a:t>React.Component</a:t>
+            </a:r>
+            <a:r>
+              <a:rPr lang="en-IN" dirty="0" smtClean="0">
+                <a:latin typeface="Courier" pitchFamily="49" charset="0"/>
+              </a:rPr>
+              <a:t> {</a:t>
+            </a:r>
+          </a:p>
+          <a:p>
+            <a:pPr lvl="1">
+              <a:buNone/>
+            </a:pPr>
+            <a:r>
+              <a:rPr lang="en-IN" dirty="0" smtClean="0">
+                <a:latin typeface="Courier" pitchFamily="49" charset="0"/>
+              </a:rPr>
+              <a:t>  </a:t>
+            </a:r>
+            <a:r>
+              <a:rPr lang="en-IN" dirty="0" err="1" smtClean="0">
+                <a:latin typeface="Courier" pitchFamily="49" charset="0"/>
+              </a:rPr>
+              <a:t>seasonConfig</a:t>
+            </a:r>
+            <a:r>
+              <a:rPr lang="en-IN" dirty="0" smtClean="0">
+                <a:latin typeface="Courier" pitchFamily="49" charset="0"/>
+              </a:rPr>
+              <a:t> = {</a:t>
+            </a:r>
+          </a:p>
+          <a:p>
+            <a:pPr lvl="1">
+              <a:buNone/>
+            </a:pPr>
+            <a:r>
+              <a:rPr lang="en-IN" dirty="0" smtClean="0">
+                <a:latin typeface="Courier" pitchFamily="49" charset="0"/>
+              </a:rPr>
+              <a:t>    summer: { label: "SUMMER", </a:t>
+            </a:r>
+            <a:r>
+              <a:rPr lang="en-IN" dirty="0" err="1" smtClean="0">
+                <a:latin typeface="Courier" pitchFamily="49" charset="0"/>
+              </a:rPr>
+              <a:t>iconName</a:t>
+            </a:r>
+            <a:r>
+              <a:rPr lang="en-IN" dirty="0" smtClean="0">
+                <a:latin typeface="Courier" pitchFamily="49" charset="0"/>
+              </a:rPr>
+              <a:t>: "sun" },</a:t>
+            </a:r>
+          </a:p>
+          <a:p>
+            <a:pPr lvl="1">
+              <a:buNone/>
+            </a:pPr>
+            <a:r>
+              <a:rPr lang="en-IN" dirty="0" smtClean="0">
+                <a:latin typeface="Courier" pitchFamily="49" charset="0"/>
+              </a:rPr>
+              <a:t>    winter: { label: "WINTER", </a:t>
+            </a:r>
+            <a:r>
+              <a:rPr lang="en-IN" dirty="0" err="1" smtClean="0">
+                <a:latin typeface="Courier" pitchFamily="49" charset="0"/>
+              </a:rPr>
+              <a:t>iconName</a:t>
+            </a:r>
+            <a:r>
+              <a:rPr lang="en-IN" dirty="0" smtClean="0">
+                <a:latin typeface="Courier" pitchFamily="49" charset="0"/>
+              </a:rPr>
+              <a:t>: "snowflake" }</a:t>
+            </a:r>
+          </a:p>
+          <a:p>
+            <a:pPr lvl="1">
+              <a:buNone/>
+            </a:pPr>
+            <a:r>
+              <a:rPr lang="en-IN" dirty="0" smtClean="0">
+                <a:latin typeface="Courier" pitchFamily="49" charset="0"/>
+              </a:rPr>
+              <a:t>  }</a:t>
+            </a:r>
+          </a:p>
+          <a:p>
+            <a:pPr lvl="1">
+              <a:buNone/>
+            </a:pPr>
+            <a:r>
+              <a:rPr lang="en-IN" dirty="0" smtClean="0">
+                <a:latin typeface="Courier" pitchFamily="49" charset="0"/>
+              </a:rPr>
+              <a:t>  </a:t>
+            </a:r>
+            <a:r>
+              <a:rPr lang="en-IN" dirty="0" err="1" smtClean="0">
+                <a:latin typeface="Courier" pitchFamily="49" charset="0"/>
+              </a:rPr>
+              <a:t>getSeason</a:t>
+            </a:r>
+            <a:r>
+              <a:rPr lang="en-IN" dirty="0" smtClean="0">
+                <a:latin typeface="Courier" pitchFamily="49" charset="0"/>
+              </a:rPr>
+              <a:t>(lat, month) {</a:t>
+            </a:r>
+          </a:p>
+          <a:p>
+            <a:pPr lvl="1">
+              <a:buNone/>
+            </a:pPr>
+            <a:r>
+              <a:rPr lang="en-IN" dirty="0" smtClean="0">
+                <a:latin typeface="Courier" pitchFamily="49" charset="0"/>
+              </a:rPr>
+              <a:t>    if (month &gt; 2 &amp;&amp; month &lt; 9) {</a:t>
+            </a:r>
+          </a:p>
+          <a:p>
+            <a:pPr lvl="1">
+              <a:buNone/>
+            </a:pPr>
+            <a:r>
+              <a:rPr lang="en-IN" dirty="0" smtClean="0">
+                <a:latin typeface="Courier" pitchFamily="49" charset="0"/>
+              </a:rPr>
+              <a:t>      return lat &gt; 0 ? "summer" : "winter";</a:t>
+            </a:r>
+          </a:p>
+          <a:p>
+            <a:pPr lvl="1">
+              <a:buNone/>
+            </a:pPr>
+            <a:r>
+              <a:rPr lang="en-IN" dirty="0" smtClean="0">
+                <a:latin typeface="Courier" pitchFamily="49" charset="0"/>
+              </a:rPr>
+              <a:t>    } else {</a:t>
+            </a:r>
+          </a:p>
+          <a:p>
+            <a:pPr lvl="1">
+              <a:buNone/>
+            </a:pPr>
+            <a:r>
+              <a:rPr lang="en-IN" dirty="0" smtClean="0">
+                <a:latin typeface="Courier" pitchFamily="49" charset="0"/>
+              </a:rPr>
+              <a:t>      return lat &gt; 0 ? "winter" : "summer";</a:t>
+            </a:r>
+          </a:p>
+          <a:p>
+            <a:pPr lvl="1">
+              <a:buNone/>
+            </a:pPr>
+            <a:r>
+              <a:rPr lang="en-IN" dirty="0" smtClean="0">
+                <a:latin typeface="Courier" pitchFamily="49" charset="0"/>
+              </a:rPr>
+              <a:t>    }</a:t>
+            </a:r>
+          </a:p>
+          <a:p>
+            <a:pPr lvl="1">
+              <a:buNone/>
+            </a:pPr>
+            <a:r>
+              <a:rPr lang="en-IN" dirty="0" smtClean="0">
+                <a:latin typeface="Courier" pitchFamily="49" charset="0"/>
+              </a:rPr>
+              <a:t>  }</a:t>
+            </a:r>
+          </a:p>
+          <a:p>
+            <a:pPr lvl="1">
+              <a:buNone/>
+            </a:pPr>
+            <a:r>
+              <a:rPr lang="en-IN" dirty="0" smtClean="0">
+                <a:latin typeface="Courier" pitchFamily="49" charset="0"/>
+              </a:rPr>
+              <a:t>  constructor(props) {</a:t>
+            </a:r>
+          </a:p>
+          <a:p>
+            <a:pPr lvl="1">
+              <a:buNone/>
+            </a:pPr>
+            <a:r>
+              <a:rPr lang="en-IN" dirty="0" smtClean="0">
+                <a:latin typeface="Courier" pitchFamily="49" charset="0"/>
+              </a:rPr>
+              <a:t>    super(props);</a:t>
+            </a:r>
+          </a:p>
+          <a:p>
+            <a:pPr lvl="1">
+              <a:buNone/>
+            </a:pPr>
+            <a:r>
+              <a:rPr lang="en-IN" dirty="0" smtClean="0">
+                <a:latin typeface="Courier" pitchFamily="49" charset="0"/>
+              </a:rPr>
+              <a:t>    const season = </a:t>
+            </a:r>
+            <a:r>
+              <a:rPr lang="en-IN" dirty="0" err="1" smtClean="0">
+                <a:latin typeface="Courier" pitchFamily="49" charset="0"/>
+              </a:rPr>
+              <a:t>this.getSeason</a:t>
+            </a:r>
+            <a:r>
+              <a:rPr lang="en-IN" dirty="0" smtClean="0">
+                <a:latin typeface="Courier" pitchFamily="49" charset="0"/>
+              </a:rPr>
+              <a:t>(props.lat, new Date().</a:t>
+            </a:r>
+            <a:r>
+              <a:rPr lang="en-IN" dirty="0" err="1" smtClean="0">
+                <a:latin typeface="Courier" pitchFamily="49" charset="0"/>
+              </a:rPr>
+              <a:t>getMonth</a:t>
+            </a:r>
+            <a:r>
+              <a:rPr lang="en-IN" dirty="0" smtClean="0">
+                <a:latin typeface="Courier" pitchFamily="49" charset="0"/>
+              </a:rPr>
+              <a:t>());</a:t>
+            </a:r>
+          </a:p>
+          <a:p>
+            <a:pPr lvl="1">
+              <a:buNone/>
+            </a:pPr>
+            <a:r>
+              <a:rPr lang="en-IN" dirty="0" smtClean="0">
+                <a:latin typeface="Courier" pitchFamily="49" charset="0"/>
+              </a:rPr>
+              <a:t>    </a:t>
+            </a:r>
+            <a:r>
+              <a:rPr lang="en-IN" dirty="0" err="1" smtClean="0">
+                <a:latin typeface="Courier" pitchFamily="49" charset="0"/>
+              </a:rPr>
+              <a:t>this.label</a:t>
+            </a:r>
+            <a:r>
+              <a:rPr lang="en-IN" dirty="0" smtClean="0">
+                <a:latin typeface="Courier" pitchFamily="49" charset="0"/>
+              </a:rPr>
+              <a:t> = </a:t>
+            </a:r>
+            <a:r>
+              <a:rPr lang="en-IN" dirty="0" err="1" smtClean="0">
+                <a:latin typeface="Courier" pitchFamily="49" charset="0"/>
+              </a:rPr>
+              <a:t>this.seasonConfig</a:t>
+            </a:r>
+            <a:r>
+              <a:rPr lang="en-IN" dirty="0" smtClean="0">
+                <a:latin typeface="Courier" pitchFamily="49" charset="0"/>
+              </a:rPr>
+              <a:t>[season].label;</a:t>
+            </a:r>
+          </a:p>
+          <a:p>
+            <a:pPr lvl="1">
+              <a:buNone/>
+            </a:pPr>
+            <a:r>
+              <a:rPr lang="en-IN" dirty="0" smtClean="0">
+                <a:latin typeface="Courier" pitchFamily="49" charset="0"/>
+              </a:rPr>
+              <a:t>    </a:t>
+            </a:r>
+            <a:r>
+              <a:rPr lang="en-IN" dirty="0" err="1" smtClean="0">
+                <a:latin typeface="Courier" pitchFamily="49" charset="0"/>
+              </a:rPr>
+              <a:t>this.iconName</a:t>
+            </a:r>
+            <a:r>
+              <a:rPr lang="en-IN" dirty="0" smtClean="0">
+                <a:latin typeface="Courier" pitchFamily="49" charset="0"/>
+              </a:rPr>
+              <a:t> = </a:t>
+            </a:r>
+            <a:r>
+              <a:rPr lang="en-IN" dirty="0" err="1" smtClean="0">
+                <a:latin typeface="Courier" pitchFamily="49" charset="0"/>
+              </a:rPr>
+              <a:t>this.seasonConfig</a:t>
+            </a:r>
+            <a:r>
+              <a:rPr lang="en-IN" dirty="0" smtClean="0">
+                <a:latin typeface="Courier" pitchFamily="49" charset="0"/>
+              </a:rPr>
+              <a:t>[season].</a:t>
+            </a:r>
+            <a:r>
+              <a:rPr lang="en-IN" dirty="0" err="1" smtClean="0">
+                <a:latin typeface="Courier" pitchFamily="49" charset="0"/>
+              </a:rPr>
+              <a:t>iconName</a:t>
+            </a:r>
+            <a:r>
+              <a:rPr lang="en-IN" dirty="0" smtClean="0">
+                <a:latin typeface="Courier" pitchFamily="49" charset="0"/>
+              </a:rPr>
+              <a:t>;</a:t>
+            </a:r>
+          </a:p>
+          <a:p>
+            <a:pPr lvl="1">
+              <a:buNone/>
+            </a:pPr>
+            <a:r>
+              <a:rPr lang="en-IN" dirty="0" smtClean="0">
+                <a:latin typeface="Courier" pitchFamily="49" charset="0"/>
+              </a:rPr>
+              <a:t>  }</a:t>
+            </a:r>
+          </a:p>
+          <a:p>
+            <a:pPr lvl="1">
+              <a:buNone/>
+            </a:pPr>
+            <a:r>
+              <a:rPr lang="en-IN" dirty="0" smtClean="0">
+                <a:latin typeface="Courier" pitchFamily="49" charset="0"/>
+              </a:rPr>
+              <a:t>  render() {</a:t>
+            </a:r>
+          </a:p>
+          <a:p>
+            <a:pPr lvl="1">
+              <a:buNone/>
+            </a:pPr>
+            <a:r>
+              <a:rPr lang="en-IN" dirty="0" smtClean="0">
+                <a:latin typeface="Courier" pitchFamily="49" charset="0"/>
+              </a:rPr>
+              <a:t>    return (</a:t>
+            </a:r>
+          </a:p>
+          <a:p>
+            <a:pPr lvl="1">
+              <a:buNone/>
+            </a:pPr>
+            <a:r>
+              <a:rPr lang="en-IN" dirty="0" smtClean="0">
+                <a:latin typeface="Courier" pitchFamily="49" charset="0"/>
+              </a:rPr>
+              <a:t>      &lt;div&gt;</a:t>
+            </a:r>
+            <a:br>
+              <a:rPr lang="en-IN" dirty="0" smtClean="0">
+                <a:latin typeface="Courier" pitchFamily="49" charset="0"/>
+              </a:rPr>
+            </a:br>
+            <a:r>
+              <a:rPr lang="en-IN" dirty="0" smtClean="0">
+                <a:latin typeface="Courier" pitchFamily="49" charset="0"/>
+              </a:rPr>
+              <a:t>        &lt;h1&gt;&lt;</a:t>
+            </a:r>
+            <a:r>
+              <a:rPr lang="en-IN" dirty="0" err="1" smtClean="0">
+                <a:latin typeface="Courier" pitchFamily="49" charset="0"/>
+              </a:rPr>
+              <a:t>i</a:t>
+            </a:r>
+            <a:r>
+              <a:rPr lang="en-IN" dirty="0" smtClean="0">
+                <a:latin typeface="Courier" pitchFamily="49" charset="0"/>
+              </a:rPr>
+              <a:t> </a:t>
+            </a:r>
+            <a:r>
+              <a:rPr lang="en-IN" dirty="0" err="1" smtClean="0">
+                <a:latin typeface="Courier" pitchFamily="49" charset="0"/>
+              </a:rPr>
+              <a:t>className</a:t>
+            </a:r>
+            <a:r>
+              <a:rPr lang="en-IN" dirty="0" smtClean="0">
+                <a:latin typeface="Courier" pitchFamily="49" charset="0"/>
+              </a:rPr>
+              <a:t>={`${</a:t>
+            </a:r>
+            <a:r>
+              <a:rPr lang="en-IN" dirty="0" err="1" smtClean="0">
+                <a:latin typeface="Courier" pitchFamily="49" charset="0"/>
+              </a:rPr>
+              <a:t>this.iconName</a:t>
+            </a:r>
+            <a:r>
+              <a:rPr lang="en-IN" dirty="0" smtClean="0">
+                <a:latin typeface="Courier" pitchFamily="49" charset="0"/>
+              </a:rPr>
+              <a:t>} icon`}&gt;&lt;/</a:t>
+            </a:r>
+            <a:r>
+              <a:rPr lang="en-IN" dirty="0" err="1" smtClean="0">
+                <a:latin typeface="Courier" pitchFamily="49" charset="0"/>
+              </a:rPr>
+              <a:t>i</a:t>
+            </a:r>
+            <a:r>
+              <a:rPr lang="en-IN" dirty="0" smtClean="0">
+                <a:latin typeface="Courier" pitchFamily="49" charset="0"/>
+              </a:rPr>
+              <a:t>&gt;{</a:t>
+            </a:r>
+            <a:r>
+              <a:rPr lang="en-IN" dirty="0" err="1" smtClean="0">
+                <a:latin typeface="Courier" pitchFamily="49" charset="0"/>
+              </a:rPr>
+              <a:t>this.label</a:t>
+            </a:r>
+            <a:r>
+              <a:rPr lang="en-IN" dirty="0" smtClean="0">
+                <a:latin typeface="Courier" pitchFamily="49" charset="0"/>
+              </a:rPr>
+              <a:t>}&lt;/h1&gt;</a:t>
+            </a:r>
+          </a:p>
+          <a:p>
+            <a:pPr lvl="1">
+              <a:buNone/>
+            </a:pPr>
+            <a:r>
+              <a:rPr lang="en-IN" dirty="0" smtClean="0">
+                <a:latin typeface="Courier" pitchFamily="49" charset="0"/>
+              </a:rPr>
+              <a:t>      &lt;/div&gt;</a:t>
+            </a:r>
+          </a:p>
+          <a:p>
+            <a:pPr lvl="1">
+              <a:buNone/>
+            </a:pPr>
+            <a:r>
+              <a:rPr lang="en-IN" dirty="0" smtClean="0">
+                <a:latin typeface="Courier" pitchFamily="49" charset="0"/>
+              </a:rPr>
+              <a:t>    )</a:t>
+            </a:r>
+          </a:p>
+          <a:p>
+            <a:pPr lvl="1">
+              <a:buNone/>
+            </a:pPr>
+            <a:r>
+              <a:rPr lang="en-IN" dirty="0" smtClean="0">
+                <a:latin typeface="Courier" pitchFamily="49" charset="0"/>
+              </a:rPr>
+              <a:t>  }</a:t>
+            </a:r>
+          </a:p>
+          <a:p>
+            <a:pPr lvl="1">
+              <a:buNone/>
+            </a:pPr>
+            <a:r>
+              <a:rPr lang="en-IN" dirty="0" smtClean="0">
+                <a:latin typeface="Courier" pitchFamily="49" charset="0"/>
+              </a:rPr>
+              <a:t>}</a:t>
+            </a:r>
+          </a:p>
+          <a:p>
+            <a:endParaRPr lang="en-IN" dirty="0" smtClean="0"/>
+          </a:p>
+          <a:p>
+            <a:endParaRPr lang="en-IN" dirty="0" smtClean="0"/>
+          </a:p>
+          <a:p>
+            <a:endParaRPr lang="en-IN" dirty="0"/>
+          </a:p>
+        </p:txBody>
+      </p:sp>
+    </p:spTree>
+  </p:cSld>
+  <p:clrMapOvr>
+    <a:masterClrMapping/>
+  </p:clrMapOvr>
+</p:sld>
+</file>
+
+<file path=ppt/slides/slide14.xml><?xml version="1.0" encoding="utf-8"?>
+<p:sld xmlns:a="http://schemas.openxmlformats.org/drawingml/2006/main" xmlns:r="http://schemas.openxmlformats.org/officeDocument/2006/relationships" xmlns:p="http://schemas.openxmlformats.org/presentationml/2006/main">
+  <p:cSld>
+    <p:spTree>
+      <p:nvGrpSpPr>
+        <p:cNvPr id="1" name=""/>
+        <p:cNvGrpSpPr/>
+        <p:nvPr/>
+      </p:nvGrpSpPr>
+      <p:grpSpPr>
+        <a:xfrm>
+          <a:off x="0" y="0"/>
+          <a:ext cx="0" cy="0"/>
+          <a:chOff x="0" y="0"/>
+          <a:chExt cx="0" cy="0"/>
+        </a:xfrm>
+      </p:grpSpPr>
+      <p:sp>
+        <p:nvSpPr>
+          <p:cNvPr id="2" name="Title 1"/>
+          <p:cNvSpPr>
+            <a:spLocks noGrp="1"/>
+          </p:cNvSpPr>
+          <p:nvPr>
+            <p:ph type="title"/>
+          </p:nvPr>
+        </p:nvSpPr>
+        <p:spPr/>
+        <p:txBody>
+          <a:bodyPr/>
+          <a:lstStyle/>
+          <a:p>
+            <a:r>
+              <a:rPr lang="en-IN" dirty="0" smtClean="0"/>
+              <a:t>Class Based Component – Part 6</a:t>
+            </a:r>
+            <a:endParaRPr lang="en-IN" dirty="0"/>
+          </a:p>
+        </p:txBody>
+      </p:sp>
+      <p:sp>
+        <p:nvSpPr>
+          <p:cNvPr id="3" name="Content Placeholder 2"/>
+          <p:cNvSpPr>
+            <a:spLocks noGrp="1"/>
+          </p:cNvSpPr>
+          <p:nvPr>
+            <p:ph idx="1"/>
+          </p:nvPr>
+        </p:nvSpPr>
+        <p:spPr/>
+        <p:txBody>
+          <a:bodyPr/>
+          <a:lstStyle/>
+          <a:p>
+            <a:r>
+              <a:rPr lang="en-IN" dirty="0" smtClean="0"/>
+              <a:t>Create </a:t>
+            </a:r>
+            <a:r>
+              <a:rPr lang="en-IN" dirty="0" err="1" smtClean="0"/>
+              <a:t>RenderContent</a:t>
+            </a:r>
+            <a:r>
+              <a:rPr lang="en-IN" dirty="0" smtClean="0"/>
+              <a:t> function and move code from render() method and paste in it.</a:t>
+            </a:r>
+          </a:p>
+          <a:p>
+            <a:r>
+              <a:rPr lang="en-IN" dirty="0" smtClean="0"/>
+              <a:t>Call </a:t>
+            </a:r>
+            <a:r>
+              <a:rPr lang="en-IN" dirty="0" err="1" smtClean="0"/>
+              <a:t>renderContent</a:t>
+            </a:r>
+            <a:r>
+              <a:rPr lang="en-IN" dirty="0" smtClean="0"/>
+              <a:t>() method in render </a:t>
+            </a:r>
+            <a:r>
+              <a:rPr lang="en-IN" dirty="0" err="1" smtClean="0"/>
+              <a:t>jsx</a:t>
+            </a:r>
+            <a:r>
+              <a:rPr lang="en-IN" smtClean="0"/>
+              <a:t>.</a:t>
+            </a:r>
+          </a:p>
+          <a:p>
             <a:endParaRPr lang="en-IN" dirty="0"/>
           </a:p>
         </p:txBody>
@@ -3149,14 +4909,16 @@
         </p:nvSpPr>
         <p:spPr/>
         <p:txBody>
-          <a:bodyPr>
-            <a:normAutofit fontScale="90000"/>
-          </a:bodyPr>
+          <a:bodyPr/>
           <a:lstStyle/>
           <a:p>
             <a:r>
               <a:rPr lang="en-IN" dirty="0" smtClean="0"/>
-              <a:t>Setup React Environment &amp; Launch Default App</a:t>
+              <a:t>What we will learn in </a:t>
+            </a:r>
+            <a:r>
+              <a:rPr lang="en-IN" dirty="0" err="1" smtClean="0"/>
+              <a:t>ReactJS</a:t>
             </a:r>
             <a:endParaRPr lang="en-IN" dirty="0"/>
           </a:p>
@@ -3174,237 +4936,78 @@
         </p:nvSpPr>
         <p:spPr/>
         <p:txBody>
-          <a:bodyPr>
-            <a:normAutofit fontScale="77500" lnSpcReduction="20000"/>
-          </a:bodyPr>
+          <a:bodyPr/>
           <a:lstStyle/>
           <a:p>
             <a:r>
               <a:rPr lang="en-IN" dirty="0" smtClean="0"/>
-              <a:t>Install </a:t>
+              <a:t>r</a:t>
+            </a:r>
+            <a:r>
+              <a:rPr lang="en-IN" dirty="0" smtClean="0"/>
+              <a:t>eact</a:t>
+            </a:r>
+          </a:p>
+          <a:p>
+            <a:r>
+              <a:rPr lang="en-IN" dirty="0" smtClean="0"/>
+              <a:t>react-</a:t>
             </a:r>
             <a:r>
               <a:rPr lang="en-IN" dirty="0" err="1" smtClean="0"/>
-              <a:t>nodejs</a:t>
+              <a:t>dom</a:t>
             </a:r>
             <a:endParaRPr lang="en-IN" dirty="0" smtClean="0"/>
           </a:p>
           <a:p>
             <a:r>
               <a:rPr lang="en-IN" dirty="0" smtClean="0"/>
-              <a:t>Check </a:t>
+              <a:t>react-</a:t>
             </a:r>
             <a:r>
               <a:rPr lang="en-IN" dirty="0" err="1" smtClean="0"/>
-              <a:t>nodejs</a:t>
-            </a:r>
-            <a:r>
-              <a:rPr lang="en-IN" dirty="0" smtClean="0"/>
-              <a:t> version with </a:t>
-            </a:r>
+              <a:t>redux</a:t>
+            </a:r>
+            <a:endParaRPr lang="en-IN" dirty="0" smtClean="0"/>
+          </a:p>
+          <a:p>
+            <a:r>
+              <a:rPr lang="en-IN" smtClean="0"/>
+              <a:t>react-router</a:t>
+            </a:r>
+            <a:endParaRPr lang="en-IN" dirty="0" smtClean="0"/>
+          </a:p>
+          <a:p>
             <a:r>
               <a:rPr lang="en-IN" dirty="0" err="1" smtClean="0"/>
-              <a:t>cmd</a:t>
-            </a:r>
-            <a:r>
-              <a:rPr lang="en-IN" dirty="0" smtClean="0"/>
-              <a:t> </a:t>
-            </a:r>
-            <a:r>
-              <a:rPr lang="en-IN" dirty="0">
-                <a:latin typeface="Courier New" pitchFamily="49" charset="0"/>
-                <a:cs typeface="Courier New" pitchFamily="49" charset="0"/>
-              </a:rPr>
-              <a:t>node –v</a:t>
-            </a:r>
-          </a:p>
-          <a:p>
-            <a:r>
-              <a:rPr lang="en-IN" dirty="0" smtClean="0"/>
-              <a:t>Install </a:t>
-            </a:r>
+              <a:t>redux-thunk</a:t>
+            </a:r>
+            <a:endParaRPr lang="en-IN" dirty="0" smtClean="0"/>
+          </a:p>
+          <a:p>
             <a:r>
               <a:rPr lang="en-IN" dirty="0" err="1" smtClean="0"/>
-              <a:t>reactjs</a:t>
-            </a:r>
-            <a:r>
-              <a:rPr lang="en-IN" dirty="0" smtClean="0"/>
-              <a:t> with </a:t>
-            </a:r>
-            <a:r>
-              <a:rPr lang="en-IN" dirty="0" err="1" smtClean="0"/>
-              <a:t>cmd</a:t>
-            </a:r>
-            <a:r>
-              <a:rPr lang="en-IN" dirty="0" smtClean="0"/>
-              <a:t> </a:t>
-            </a:r>
-            <a:r>
-              <a:rPr lang="en-IN" dirty="0" err="1">
-                <a:latin typeface="Courier New" pitchFamily="49" charset="0"/>
-                <a:cs typeface="Courier New" pitchFamily="49" charset="0"/>
-              </a:rPr>
-              <a:t>npm</a:t>
-            </a:r>
-            <a:r>
-              <a:rPr lang="en-IN" dirty="0">
-                <a:latin typeface="Courier New" pitchFamily="49" charset="0"/>
-                <a:cs typeface="Courier New" pitchFamily="49" charset="0"/>
-              </a:rPr>
-              <a:t> install –g create-react-app</a:t>
-            </a:r>
-          </a:p>
-          <a:p>
-            <a:r>
-              <a:rPr lang="en-IN" dirty="0" smtClean="0"/>
-              <a:t>Go to folder where the app needs to create</a:t>
-            </a:r>
-          </a:p>
-          <a:p>
-            <a:r>
-              <a:rPr lang="en-IN" dirty="0" smtClean="0"/>
-              <a:t>Run </a:t>
-            </a:r>
-            <a:r>
-              <a:rPr lang="en-IN" dirty="0" err="1" smtClean="0"/>
-              <a:t>cmd</a:t>
-            </a:r>
-            <a:r>
-              <a:rPr lang="en-IN" dirty="0"/>
-              <a:t> </a:t>
-            </a:r>
-            <a:r>
-              <a:rPr lang="en-IN" dirty="0" smtClean="0"/>
-              <a:t>with folder location</a:t>
-            </a:r>
-          </a:p>
-          <a:p>
-            <a:r>
-              <a:rPr lang="en-IN" dirty="0" smtClean="0"/>
-              <a:t>Create default app with </a:t>
-            </a:r>
-            <a:r>
-              <a:rPr lang="en-IN" dirty="0" err="1" smtClean="0"/>
-              <a:t>cmd</a:t>
-            </a:r>
-            <a:r>
-              <a:rPr lang="en-IN" dirty="0" smtClean="0"/>
-              <a:t> </a:t>
-            </a:r>
-            <a:r>
-              <a:rPr lang="en-IN" dirty="0">
-                <a:latin typeface="Courier New" pitchFamily="49" charset="0"/>
-                <a:cs typeface="Courier New" pitchFamily="49" charset="0"/>
-              </a:rPr>
-              <a:t>create-react-app </a:t>
-            </a:r>
-            <a:r>
-              <a:rPr lang="en-IN" dirty="0" err="1">
-                <a:latin typeface="Courier New" pitchFamily="49" charset="0"/>
-                <a:cs typeface="Courier New" pitchFamily="49" charset="0"/>
-              </a:rPr>
-              <a:t>jsx</a:t>
-            </a:r>
-            <a:endParaRPr lang="en-IN" dirty="0">
-              <a:latin typeface="Courier New" pitchFamily="49" charset="0"/>
-              <a:cs typeface="Courier New" pitchFamily="49" charset="0"/>
-            </a:endParaRPr>
-          </a:p>
-          <a:p>
-            <a:r>
-              <a:rPr lang="en-IN" dirty="0" smtClean="0"/>
-              <a:t>Go to the </a:t>
-            </a:r>
-            <a:r>
-              <a:rPr lang="en-IN" dirty="0" err="1" smtClean="0"/>
-              <a:t>jsx</a:t>
-            </a:r>
-            <a:r>
-              <a:rPr lang="en-IN" dirty="0" smtClean="0"/>
-              <a:t> folder</a:t>
-            </a:r>
-          </a:p>
-          <a:p>
-            <a:r>
-              <a:rPr lang="en-IN" dirty="0" smtClean="0"/>
-              <a:t>Open </a:t>
-            </a:r>
-            <a:r>
-              <a:rPr lang="en-IN" dirty="0" err="1" smtClean="0"/>
-              <a:t>VSCode</a:t>
-            </a:r>
-            <a:r>
-              <a:rPr lang="en-IN" dirty="0" smtClean="0"/>
-              <a:t> with </a:t>
-            </a:r>
-            <a:r>
-              <a:rPr lang="en-IN" dirty="0" err="1" smtClean="0"/>
-              <a:t>jsx</a:t>
-            </a:r>
-            <a:r>
-              <a:rPr lang="en-IN" dirty="0" smtClean="0"/>
-              <a:t> folder location</a:t>
-            </a:r>
-          </a:p>
-          <a:p>
-            <a:r>
-              <a:rPr lang="en-IN" dirty="0" smtClean="0"/>
-              <a:t>Run </a:t>
-            </a:r>
-            <a:r>
-              <a:rPr lang="en-IN" dirty="0" err="1" smtClean="0"/>
-              <a:t>cmd</a:t>
-            </a:r>
-            <a:r>
-              <a:rPr lang="en-IN" dirty="0" smtClean="0"/>
-              <a:t> </a:t>
-            </a:r>
-            <a:r>
-              <a:rPr lang="en-IN" dirty="0" err="1" smtClean="0">
-                <a:latin typeface="Courier New" pitchFamily="49" charset="0"/>
-                <a:cs typeface="Courier New" pitchFamily="49" charset="0"/>
-              </a:rPr>
-              <a:t>npm</a:t>
-            </a:r>
-            <a:r>
-              <a:rPr lang="en-IN" dirty="0" smtClean="0">
-                <a:latin typeface="Courier New" pitchFamily="49" charset="0"/>
-                <a:cs typeface="Courier New" pitchFamily="49" charset="0"/>
-              </a:rPr>
-              <a:t> start </a:t>
-            </a:r>
-            <a:r>
-              <a:rPr lang="en-IN" dirty="0" smtClean="0"/>
-              <a:t>to launch default react app</a:t>
-            </a:r>
-          </a:p>
-          <a:p>
-            <a:r>
-              <a:rPr lang="en-IN" dirty="0" smtClean="0"/>
-              <a:t>This will launch app in browser with </a:t>
-            </a:r>
-            <a:r>
-              <a:rPr lang="en-IN" dirty="0" err="1" smtClean="0"/>
-              <a:t>localhost</a:t>
-            </a:r>
-            <a:r>
-              <a:rPr lang="en-IN" dirty="0" smtClean="0"/>
-              <a:t> port 3000</a:t>
-            </a:r>
-          </a:p>
-          <a:p>
-            <a:r>
-              <a:rPr lang="en-IN" dirty="0" smtClean="0"/>
-              <a:t>Close the app by running </a:t>
-            </a:r>
-            <a:r>
-              <a:rPr lang="en-IN" dirty="0" err="1" smtClean="0"/>
-              <a:t>cmd</a:t>
-            </a:r>
-            <a:r>
-              <a:rPr lang="en-IN" dirty="0" smtClean="0"/>
-              <a:t> ctrl + c</a:t>
-            </a:r>
+              <a:t>redux</a:t>
+            </a:r>
+            <a:r>
+              <a:rPr lang="en-IN" dirty="0" smtClean="0"/>
+              <a:t>-form</a:t>
+            </a:r>
+          </a:p>
+          <a:p>
+            <a:endParaRPr lang="en-IN" dirty="0" smtClean="0"/>
+          </a:p>
+          <a:p>
+            <a:endParaRPr lang="en-IN" dirty="0" smtClean="0"/>
+          </a:p>
+          <a:p>
+            <a:endParaRPr lang="en-IN" dirty="0" smtClean="0"/>
+          </a:p>
+          <a:p>
+            <a:endParaRPr lang="en-IN" dirty="0" smtClean="0"/>
+          </a:p>
+          <a:p>
+            <a:endParaRPr lang="en-IN" dirty="0"/>
           </a:p>
         </p:txBody>
       </p:sp>
@@ -3451,20 +5054,8 @@
           <a:lstStyle/>
           <a:p>
             <a:r>
-              <a:rPr lang="en-IN" dirty="0" err="1" smtClean="0"/>
-              <a:t>Rect</a:t>
-            </a:r>
-            <a:r>
-              <a:rPr lang="en-IN" dirty="0" smtClean="0"/>
-              <a:t> &amp; </a:t>
-            </a:r>
-            <a:r>
-              <a:rPr lang="en-IN" dirty="0" err="1" smtClean="0"/>
-              <a:t>ReactDom</a:t>
-            </a:r>
-            <a:r>
-              <a:rPr lang="en-IN" dirty="0" smtClean="0"/>
-              <a:t> and execute first program</a:t>
+              <a:rPr lang="en-IN" dirty="0" smtClean="0"/>
+              <a:t>Setup React Environment &amp; Launch Default App</a:t>
             </a:r>
             <a:endParaRPr lang="en-IN" dirty="0"/>
           </a:p>
@@ -3483,17 +5074,149 @@
         <p:spPr/>
         <p:txBody>
           <a:bodyPr>
-            <a:normAutofit fontScale="55000" lnSpcReduction="20000"/>
+            <a:normAutofit fontScale="77500" lnSpcReduction="20000"/>
           </a:bodyPr>
           <a:lstStyle/>
           <a:p>
             <a:r>
               <a:rPr lang="en-IN" dirty="0" smtClean="0"/>
-              <a:t>Delete all default files available in </a:t>
+              <a:t>Install </a:t>
             </a:r>
             <a:r>
               <a:rPr lang="en-IN" dirty="0" err="1" smtClean="0"/>
-              <a:t>src</a:t>
+              <a:t>nodejs</a:t>
+            </a:r>
+            <a:endParaRPr lang="en-IN" dirty="0" smtClean="0"/>
+          </a:p>
+          <a:p>
+            <a:r>
+              <a:rPr lang="en-IN" dirty="0" smtClean="0"/>
+              <a:t>Check </a:t>
+            </a:r>
+            <a:r>
+              <a:rPr lang="en-IN" dirty="0" err="1" smtClean="0"/>
+              <a:t>nodejs</a:t>
+            </a:r>
+            <a:r>
+              <a:rPr lang="en-IN" dirty="0" smtClean="0"/>
+              <a:t> version with </a:t>
+            </a:r>
+            <a:r>
+              <a:rPr lang="en-IN" dirty="0" err="1" smtClean="0"/>
+              <a:t>cmd</a:t>
+            </a:r>
+            <a:r>
+              <a:rPr lang="en-IN" dirty="0" smtClean="0"/>
+              <a:t> </a:t>
+            </a:r>
+            <a:r>
+              <a:rPr lang="en-IN" dirty="0">
+                <a:latin typeface="Courier New" pitchFamily="49" charset="0"/>
+                <a:cs typeface="Courier New" pitchFamily="49" charset="0"/>
+              </a:rPr>
+              <a:t>node –v</a:t>
+            </a:r>
+          </a:p>
+          <a:p>
+            <a:r>
+              <a:rPr lang="en-IN" dirty="0" smtClean="0"/>
+              <a:t>Install </a:t>
+            </a:r>
+            <a:r>
+              <a:rPr lang="en-IN" dirty="0" err="1" smtClean="0"/>
+              <a:t>reactjs</a:t>
+            </a:r>
+            <a:r>
+              <a:rPr lang="en-IN" dirty="0" smtClean="0"/>
+              <a:t> with </a:t>
+            </a:r>
+            <a:r>
+              <a:rPr lang="en-IN" dirty="0" err="1" smtClean="0"/>
+              <a:t>cmd</a:t>
+            </a:r>
+            <a:r>
+              <a:rPr lang="en-IN" dirty="0" smtClean="0"/>
+              <a:t> </a:t>
+            </a:r>
+            <a:r>
+              <a:rPr lang="en-IN" dirty="0" err="1">
+                <a:latin typeface="Courier New" pitchFamily="49" charset="0"/>
+                <a:cs typeface="Courier New" pitchFamily="49" charset="0"/>
+              </a:rPr>
+              <a:t>npm</a:t>
+            </a:r>
+            <a:r>
+              <a:rPr lang="en-IN" dirty="0">
+                <a:latin typeface="Courier New" pitchFamily="49" charset="0"/>
+                <a:cs typeface="Courier New" pitchFamily="49" charset="0"/>
+              </a:rPr>
+              <a:t> install –g create-react-app</a:t>
+            </a:r>
+          </a:p>
+          <a:p>
+            <a:r>
+              <a:rPr lang="en-IN" dirty="0" smtClean="0"/>
+              <a:t>Go to folder where the app needs to create</a:t>
+            </a:r>
+          </a:p>
+          <a:p>
+            <a:r>
+              <a:rPr lang="en-IN" dirty="0" smtClean="0"/>
+              <a:t>Run </a:t>
+            </a:r>
+            <a:r>
+              <a:rPr lang="en-IN" dirty="0" err="1" smtClean="0"/>
+              <a:t>cmd</a:t>
+            </a:r>
+            <a:r>
+              <a:rPr lang="en-IN" dirty="0"/>
+              <a:t> </a:t>
+            </a:r>
+            <a:r>
+              <a:rPr lang="en-IN" dirty="0" smtClean="0"/>
+              <a:t>with folder location</a:t>
+            </a:r>
+          </a:p>
+          <a:p>
+            <a:r>
+              <a:rPr lang="en-IN" dirty="0" smtClean="0"/>
+              <a:t>Create default app with </a:t>
+            </a:r>
+            <a:r>
+              <a:rPr lang="en-IN" dirty="0" err="1" smtClean="0"/>
+              <a:t>cmd</a:t>
+            </a:r>
+            <a:r>
+              <a:rPr lang="en-IN" dirty="0" smtClean="0"/>
+              <a:t> </a:t>
+            </a:r>
+            <a:r>
+              <a:rPr lang="en-IN" dirty="0">
+                <a:latin typeface="Courier New" pitchFamily="49" charset="0"/>
+                <a:cs typeface="Courier New" pitchFamily="49" charset="0"/>
+              </a:rPr>
+              <a:t>create-react-app </a:t>
+            </a:r>
+            <a:r>
+              <a:rPr lang="en-IN" dirty="0" err="1">
+                <a:latin typeface="Courier New" pitchFamily="49" charset="0"/>
+                <a:cs typeface="Courier New" pitchFamily="49" charset="0"/>
+              </a:rPr>
+              <a:t>jsx</a:t>
+            </a:r>
+            <a:endParaRPr lang="en-IN" dirty="0">
+              <a:latin typeface="Courier New" pitchFamily="49" charset="0"/>
+              <a:cs typeface="Courier New" pitchFamily="49" charset="0"/>
+            </a:endParaRPr>
+          </a:p>
+          <a:p>
+            <a:r>
+              <a:rPr lang="en-IN" dirty="0" smtClean="0"/>
+              <a:t>Go to the </a:t>
+            </a:r>
+            <a:r>
+              <a:rPr lang="en-IN" dirty="0" err="1" smtClean="0"/>
+              <a:t>jsx</a:t>
             </a:r>
             <a:r>
               <a:rPr lang="en-IN" dirty="0" smtClean="0"/>
@@ -3501,248 +5224,85 @@
             </a:r>
           </a:p>
           <a:p>
-            <a:pPr>
-              <a:buNone/>
-            </a:pPr>
-            <a:endParaRPr lang="en-IN" dirty="0" smtClean="0"/>
-          </a:p>
-          <a:p>
-            <a:r>
-              <a:rPr lang="en-IN" dirty="0" smtClean="0"/>
-              <a:t>Create index.js file in </a:t>
+            <a:r>
+              <a:rPr lang="en-IN" dirty="0" smtClean="0"/>
+              <a:t>Open </a:t>
             </a:r>
             <a:r>
               <a:rPr lang="en-IN" dirty="0" err="1" smtClean="0"/>
-              <a:t>src</a:t>
-            </a:r>
-            <a:r>
-              <a:rPr lang="en-IN" dirty="0" smtClean="0"/>
-              <a:t> folder and write below code</a:t>
-            </a:r>
-          </a:p>
-          <a:p>
-            <a:endParaRPr lang="en-IN" dirty="0" smtClean="0"/>
-          </a:p>
-          <a:p>
-            <a:pPr>
-              <a:buNone/>
-            </a:pPr>
-            <a:r>
-              <a:rPr lang="en-IN" dirty="0" smtClean="0"/>
-              <a:t>	//</a:t>
-            </a:r>
-            <a:r>
-              <a:rPr lang="en-IN" dirty="0"/>
-              <a:t> Import </a:t>
+              <a:t>VSCode</a:t>
+            </a:r>
+            <a:r>
+              <a:rPr lang="en-IN" dirty="0" smtClean="0"/>
+              <a:t> with </a:t>
+            </a:r>
+            <a:r>
+              <a:rPr lang="en-IN" dirty="0" err="1" smtClean="0"/>
+              <a:t>jsx</a:t>
+            </a:r>
+            <a:r>
+              <a:rPr lang="en-IN" dirty="0" smtClean="0"/>
+              <a:t> folder location</a:t>
+            </a:r>
+          </a:p>
+          <a:p>
+            <a:r>
+              <a:rPr lang="en-IN" dirty="0" smtClean="0"/>
+              <a:t>Run </a:t>
+            </a:r>
+            <a:r>
+              <a:rPr lang="en-IN" dirty="0" err="1" smtClean="0"/>
+              <a:t>cmd</a:t>
             </a:r>
             <a:r>
               <a:rPr lang="en-IN" dirty="0" smtClean="0"/>
               <a:t> </a:t>
             </a:r>
             <a:r>
+              <a:rPr lang="en-IN" dirty="0" err="1" smtClean="0">
+                <a:latin typeface="Courier New" pitchFamily="49" charset="0"/>
+                <a:cs typeface="Courier New" pitchFamily="49" charset="0"/>
+              </a:rPr>
+              <a:t>npm</a:t>
+            </a:r>
+            <a:r>
+              <a:rPr lang="en-IN" dirty="0" smtClean="0">
+                <a:latin typeface="Courier New" pitchFamily="49" charset="0"/>
+                <a:cs typeface="Courier New" pitchFamily="49" charset="0"/>
+              </a:rPr>
+              <a:t> start </a:t>
+            </a:r>
+            <a:r>
+              <a:rPr lang="en-IN" dirty="0" smtClean="0"/>
+              <a:t>to launch default react app</a:t>
+            </a:r>
+          </a:p>
+          <a:p>
+            <a:r>
+              <a:rPr lang="en-IN" dirty="0" smtClean="0"/>
+              <a:t>This will launch app in browser with </a:t>
+            </a:r>
+            <a:r>
               <a:rPr lang="en-IN" dirty="0" err="1" smtClean="0"/>
-              <a:t>Rect</a:t>
-            </a:r>
-            <a:r>
-              <a:rPr lang="en-IN" dirty="0"/>
-              <a:t> and </a:t>
-            </a:r>
-            <a:r>
-              <a:rPr lang="en-IN" dirty="0" err="1"/>
-              <a:t>ReactDom</a:t>
-            </a:r>
-            <a:r>
-              <a:rPr lang="en-IN" dirty="0"/>
-              <a:t> libraries</a:t>
-            </a:r>
-          </a:p>
-          <a:p>
-            <a:pPr lvl="1">
-              <a:buNone/>
-            </a:pPr>
-            <a:r>
-              <a:rPr lang="en-IN" dirty="0">
-                <a:latin typeface="Courier New" pitchFamily="49" charset="0"/>
-                <a:cs typeface="Courier New" pitchFamily="49" charset="0"/>
-              </a:rPr>
-              <a:t>import React from 'react';</a:t>
-            </a:r>
-          </a:p>
-          <a:p>
-            <a:pPr lvl="1">
-              <a:buNone/>
-            </a:pPr>
-            <a:r>
-              <a:rPr lang="en-IN" dirty="0">
-                <a:latin typeface="Courier New" pitchFamily="49" charset="0"/>
-                <a:cs typeface="Courier New" pitchFamily="49" charset="0"/>
-              </a:rPr>
-              <a:t>import </a:t>
-            </a:r>
-            <a:r>
-              <a:rPr lang="en-IN" dirty="0" err="1">
-                <a:latin typeface="Courier New" pitchFamily="49" charset="0"/>
-                <a:cs typeface="Courier New" pitchFamily="49" charset="0"/>
-              </a:rPr>
-              <a:t>ReactDom</a:t>
-            </a:r>
-            <a:r>
-              <a:rPr lang="en-IN" dirty="0">
-                <a:latin typeface="Courier New" pitchFamily="49" charset="0"/>
-                <a:cs typeface="Courier New" pitchFamily="49" charset="0"/>
-              </a:rPr>
-              <a:t> from 'react-</a:t>
-            </a:r>
-            <a:r>
-              <a:rPr lang="en-IN" dirty="0" err="1">
-                <a:latin typeface="Courier New" pitchFamily="49" charset="0"/>
-                <a:cs typeface="Courier New" pitchFamily="49" charset="0"/>
-              </a:rPr>
-              <a:t>dom</a:t>
-            </a:r>
-            <a:r>
-              <a:rPr lang="en-IN" dirty="0">
-                <a:latin typeface="Courier New" pitchFamily="49" charset="0"/>
-                <a:cs typeface="Courier New" pitchFamily="49" charset="0"/>
-              </a:rPr>
-              <a:t>';</a:t>
-            </a:r>
-          </a:p>
-          <a:p>
-            <a:pPr>
-              <a:buNone/>
-            </a:pPr>
-            <a:r>
-              <a:rPr lang="en-IN" dirty="0"/>
-              <a:t/>
-            </a:r>
-            <a:br>
-              <a:rPr lang="en-IN" dirty="0"/>
-            </a:br>
-            <a:r>
-              <a:rPr lang="en-IN" dirty="0"/>
-              <a:t>// Create a react component</a:t>
-            </a:r>
-          </a:p>
-          <a:p>
-            <a:pPr lvl="1">
-              <a:buNone/>
-            </a:pPr>
-            <a:r>
-              <a:rPr lang="en-IN" dirty="0">
-                <a:latin typeface="Courier New" pitchFamily="49" charset="0"/>
-                <a:cs typeface="Courier New" pitchFamily="49" charset="0"/>
-              </a:rPr>
-              <a:t>const App = () =&gt; {</a:t>
-            </a:r>
-          </a:p>
-          <a:p>
-            <a:pPr lvl="1">
-              <a:buNone/>
-            </a:pPr>
-            <a:r>
-              <a:rPr lang="en-IN" dirty="0">
-                <a:latin typeface="Courier New" pitchFamily="49" charset="0"/>
-                <a:cs typeface="Courier New" pitchFamily="49" charset="0"/>
-              </a:rPr>
-              <a:t>  return &lt;div&gt;Hi there 3!&lt;/div&gt;</a:t>
-            </a:r>
-          </a:p>
-          <a:p>
-            <a:pPr lvl="1">
-              <a:buNone/>
-            </a:pPr>
-            <a:r>
-              <a:rPr lang="en-IN" dirty="0">
-                <a:latin typeface="Courier New" pitchFamily="49" charset="0"/>
-                <a:cs typeface="Courier New" pitchFamily="49" charset="0"/>
-              </a:rPr>
-              <a:t>};</a:t>
-            </a:r>
-          </a:p>
-          <a:p>
-            <a:pPr>
-              <a:buNone/>
-            </a:pPr>
-            <a:r>
-              <a:rPr lang="en-IN" dirty="0"/>
-              <a:t/>
-            </a:r>
-            <a:br>
-              <a:rPr lang="en-IN" dirty="0"/>
-            </a:br>
-            <a:r>
-              <a:rPr lang="en-IN" dirty="0"/>
-              <a:t>// Display react component</a:t>
-            </a:r>
-          </a:p>
-          <a:p>
-            <a:pPr lvl="1">
-              <a:buNone/>
-            </a:pPr>
-            <a:r>
-              <a:rPr lang="en-IN" dirty="0" err="1">
-                <a:latin typeface="Courier New" pitchFamily="49" charset="0"/>
-                <a:cs typeface="Courier New" pitchFamily="49" charset="0"/>
-              </a:rPr>
-              <a:t>ReactDom.render</a:t>
-            </a:r>
-            <a:r>
-              <a:rPr lang="en-IN" dirty="0">
-                <a:latin typeface="Courier New" pitchFamily="49" charset="0"/>
-                <a:cs typeface="Courier New" pitchFamily="49" charset="0"/>
-              </a:rPr>
-              <a:t>(</a:t>
-            </a:r>
-          </a:p>
-          <a:p>
-            <a:pPr lvl="1">
-              <a:buNone/>
-            </a:pPr>
-            <a:r>
-              <a:rPr lang="en-IN" dirty="0">
-                <a:latin typeface="Courier New" pitchFamily="49" charset="0"/>
-                <a:cs typeface="Courier New" pitchFamily="49" charset="0"/>
-              </a:rPr>
-              <a:t>  &lt;App /&gt;,</a:t>
-            </a:r>
-          </a:p>
-          <a:p>
-            <a:pPr lvl="1">
-              <a:buNone/>
-            </a:pPr>
-            <a:r>
-              <a:rPr lang="en-IN" dirty="0">
-                <a:latin typeface="Courier New" pitchFamily="49" charset="0"/>
-                <a:cs typeface="Courier New" pitchFamily="49" charset="0"/>
-              </a:rPr>
-              <a:t>  </a:t>
-            </a:r>
-            <a:r>
-              <a:rPr lang="en-IN" dirty="0" err="1">
-                <a:latin typeface="Courier New" pitchFamily="49" charset="0"/>
-                <a:cs typeface="Courier New" pitchFamily="49" charset="0"/>
-              </a:rPr>
-              <a:t>document.querySelector</a:t>
-            </a:r>
-            <a:r>
-              <a:rPr lang="en-IN" dirty="0">
-                <a:latin typeface="Courier New" pitchFamily="49" charset="0"/>
-                <a:cs typeface="Courier New" pitchFamily="49" charset="0"/>
-              </a:rPr>
-              <a:t>('#root')</a:t>
-            </a:r>
-          </a:p>
-          <a:p>
-            <a:pPr lvl="1">
-              <a:buNone/>
-            </a:pPr>
-            <a:r>
-              <a:rPr lang="en-IN" dirty="0">
-                <a:latin typeface="Courier New" pitchFamily="49" charset="0"/>
-                <a:cs typeface="Courier New" pitchFamily="49" charset="0"/>
-              </a:rPr>
-              <a:t>)</a:t>
+              <a:t>localhost</a:t>
+            </a:r>
+            <a:r>
+              <a:rPr lang="en-IN" dirty="0" smtClean="0"/>
+              <a:t> port 3000</a:t>
+            </a:r>
+          </a:p>
+          <a:p>
+            <a:r>
+              <a:rPr lang="en-IN" dirty="0" smtClean="0"/>
+              <a:t>Close the app by running </a:t>
+            </a:r>
+            <a:r>
+              <a:rPr lang="en-IN" dirty="0" err="1" smtClean="0"/>
+              <a:t>cmd</a:t>
+            </a:r>
+            <a:r>
+              <a:rPr lang="en-IN" dirty="0" smtClean="0"/>
+              <a:t> ctrl + c</a:t>
             </a:r>
           </a:p>
         </p:txBody>
@@ -3784,104 +5344,215 @@
         </p:nvSpPr>
         <p:spPr/>
         <p:txBody>
-          <a:bodyPr/>
-          <a:lstStyle/>
-          <a:p>
-            <a:r>
-              <a:rPr lang="en-IN" dirty="0" smtClean="0"/>
-              <a:t>Babel</a:t>
-            </a:r>
-            <a:endParaRPr lang="en-IN" dirty="0"/>
-          </a:p>
-        </p:txBody>
-      </p:sp>
-      <p:sp>
-        <p:nvSpPr>
-          <p:cNvPr id="3" name="Content Placeholder 2"/>
-          <p:cNvSpPr>
-            <a:spLocks noGrp="1"/>
-          </p:cNvSpPr>
-          <p:nvPr>
-            <p:ph idx="1"/>
-          </p:nvPr>
-        </p:nvSpPr>
-        <p:spPr/>
-        <p:txBody>
           <a:bodyPr>
-            <a:normAutofit/>
+            <a:normAutofit fontScale="90000"/>
           </a:bodyPr>
           <a:lstStyle/>
           <a:p>
             <a:r>
-              <a:rPr lang="en-IN" dirty="0" smtClean="0"/>
-              <a:t>Check how </a:t>
-            </a:r>
-            <a:r>
               <a:rPr lang="en-IN" dirty="0" err="1" smtClean="0"/>
-              <a:t>babel</a:t>
-            </a:r>
-            <a:r>
-              <a:rPr lang="en-IN" dirty="0" smtClean="0"/>
-              <a:t> convert es2015 to normal es5 version</a:t>
-            </a:r>
-          </a:p>
-          <a:p>
-            <a:r>
-              <a:rPr lang="en-IN" dirty="0" smtClean="0"/>
-              <a:t>Go to site </a:t>
-            </a:r>
-            <a:r>
-              <a:rPr lang="en-IN" dirty="0" smtClean="0">
-                <a:hlinkClick r:id="rId2"/>
-              </a:rPr>
-              <a:t>https://babeljs.io/repl</a:t>
+              <a:t>Rect</a:t>
+            </a:r>
+            <a:r>
+              <a:rPr lang="en-IN" dirty="0" smtClean="0"/>
+              <a:t> &amp; </a:t>
+            </a:r>
+            <a:r>
+              <a:rPr lang="en-IN" dirty="0" err="1" smtClean="0"/>
+              <a:t>ReactDom</a:t>
+            </a:r>
+            <a:r>
+              <a:rPr lang="en-IN" dirty="0" smtClean="0"/>
+              <a:t> and execute first program</a:t>
             </a:r>
             <a:endParaRPr lang="en-IN" dirty="0"/>
           </a:p>
-          <a:p>
-            <a:r>
-              <a:rPr lang="en-IN" dirty="0" smtClean="0"/>
-              <a:t>Select react on left checkbox and paste below code and check how </a:t>
+        </p:txBody>
+      </p:sp>
+      <p:sp>
+        <p:nvSpPr>
+          <p:cNvPr id="3" name="Content Placeholder 2"/>
+          <p:cNvSpPr>
+            <a:spLocks noGrp="1"/>
+          </p:cNvSpPr>
+          <p:nvPr>
+            <p:ph idx="1"/>
+          </p:nvPr>
+        </p:nvSpPr>
+        <p:spPr/>
+        <p:txBody>
+          <a:bodyPr>
+            <a:normAutofit fontScale="55000" lnSpcReduction="20000"/>
+          </a:bodyPr>
+          <a:lstStyle/>
+          <a:p>
+            <a:r>
+              <a:rPr lang="en-IN" dirty="0" smtClean="0"/>
+              <a:t>Delete all default files available in </a:t>
             </a:r>
             <a:r>
               <a:rPr lang="en-IN" dirty="0" err="1" smtClean="0"/>
-              <a:t>babel</a:t>
-            </a:r>
-            <a:r>
-              <a:rPr lang="en-IN" dirty="0" smtClean="0"/>
-              <a:t> converts code</a:t>
-            </a:r>
-          </a:p>
-          <a:p>
-            <a:pPr lvl="1">
-              <a:buNone/>
-            </a:pPr>
-            <a:r>
-              <a:rPr lang="en-IN" dirty="0" smtClean="0">
-                <a:latin typeface="Courier New" pitchFamily="49" charset="0"/>
-                <a:cs typeface="Courier New" pitchFamily="49" charset="0"/>
-              </a:rPr>
-              <a:t>const App = () =&gt; {</a:t>
-            </a:r>
-          </a:p>
-          <a:p>
-            <a:pPr lvl="1">
-              <a:buNone/>
-            </a:pPr>
-            <a:r>
-              <a:rPr lang="en-IN" dirty="0" smtClean="0">
-                <a:latin typeface="Courier New" pitchFamily="49" charset="0"/>
-                <a:cs typeface="Courier New" pitchFamily="49" charset="0"/>
-              </a:rPr>
-              <a:t>  return &lt;div&gt;Hi there!&lt;/div&gt;</a:t>
-            </a:r>
-          </a:p>
-          <a:p>
-            <a:pPr lvl="1">
-              <a:buNone/>
-            </a:pPr>
-            <a:r>
-              <a:rPr lang="en-IN" dirty="0" smtClean="0">
+              <a:t>src</a:t>
+            </a:r>
+            <a:r>
+              <a:rPr lang="en-IN" dirty="0" smtClean="0"/>
+              <a:t> folder</a:t>
+            </a:r>
+          </a:p>
+          <a:p>
+            <a:pPr>
+              <a:buNone/>
+            </a:pPr>
+            <a:endParaRPr lang="en-IN" dirty="0" smtClean="0"/>
+          </a:p>
+          <a:p>
+            <a:r>
+              <a:rPr lang="en-IN" dirty="0" smtClean="0"/>
+              <a:t>Create index.js file in </a:t>
+            </a:r>
+            <a:r>
+              <a:rPr lang="en-IN" dirty="0" err="1" smtClean="0"/>
+              <a:t>src</a:t>
+            </a:r>
+            <a:r>
+              <a:rPr lang="en-IN" dirty="0" smtClean="0"/>
+              <a:t> folder and write below code</a:t>
+            </a:r>
+          </a:p>
+          <a:p>
+            <a:endParaRPr lang="en-IN" dirty="0" smtClean="0"/>
+          </a:p>
+          <a:p>
+            <a:pPr>
+              <a:buNone/>
+            </a:pPr>
+            <a:r>
+              <a:rPr lang="en-IN" dirty="0" smtClean="0"/>
+              <a:t>	//</a:t>
+            </a:r>
+            <a:r>
+              <a:rPr lang="en-IN" dirty="0"/>
+              <a:t> Import </a:t>
+            </a:r>
+            <a:r>
+              <a:rPr lang="en-IN" dirty="0" smtClean="0"/>
+              <a:t> </a:t>
+            </a:r>
+            <a:r>
+              <a:rPr lang="en-IN" dirty="0" err="1" smtClean="0"/>
+              <a:t>Rect</a:t>
+            </a:r>
+            <a:r>
+              <a:rPr lang="en-IN" dirty="0"/>
+              <a:t> and </a:t>
+            </a:r>
+            <a:r>
+              <a:rPr lang="en-IN" dirty="0" err="1"/>
+              <a:t>ReactDom</a:t>
+            </a:r>
+            <a:r>
+              <a:rPr lang="en-IN" dirty="0"/>
+              <a:t> libraries</a:t>
+            </a:r>
+          </a:p>
+          <a:p>
+            <a:pPr lvl="1">
+              <a:buNone/>
+            </a:pPr>
+            <a:r>
+              <a:rPr lang="en-IN" dirty="0">
+                <a:latin typeface="Courier New" pitchFamily="49" charset="0"/>
+                <a:cs typeface="Courier New" pitchFamily="49" charset="0"/>
+              </a:rPr>
+              <a:t>import React from 'react';</a:t>
+            </a:r>
+          </a:p>
+          <a:p>
+            <a:pPr lvl="1">
+              <a:buNone/>
+            </a:pPr>
+            <a:r>
+              <a:rPr lang="en-IN" dirty="0">
+                <a:latin typeface="Courier New" pitchFamily="49" charset="0"/>
+                <a:cs typeface="Courier New" pitchFamily="49" charset="0"/>
+              </a:rPr>
+              <a:t>import </a:t>
+            </a:r>
+            <a:r>
+              <a:rPr lang="en-IN" dirty="0" err="1">
+                <a:latin typeface="Courier New" pitchFamily="49" charset="0"/>
+                <a:cs typeface="Courier New" pitchFamily="49" charset="0"/>
+              </a:rPr>
+              <a:t>ReactDom</a:t>
+            </a:r>
+            <a:r>
+              <a:rPr lang="en-IN" dirty="0">
+                <a:latin typeface="Courier New" pitchFamily="49" charset="0"/>
+                <a:cs typeface="Courier New" pitchFamily="49" charset="0"/>
+              </a:rPr>
+              <a:t> from 'react-</a:t>
+            </a:r>
+            <a:r>
+              <a:rPr lang="en-IN" dirty="0" err="1">
+                <a:latin typeface="Courier New" pitchFamily="49" charset="0"/>
+                <a:cs typeface="Courier New" pitchFamily="49" charset="0"/>
+              </a:rPr>
+              <a:t>dom</a:t>
+            </a:r>
+            <a:r>
+              <a:rPr lang="en-IN" dirty="0">
+                <a:latin typeface="Courier New" pitchFamily="49" charset="0"/>
+                <a:cs typeface="Courier New" pitchFamily="49" charset="0"/>
+              </a:rPr>
+              <a:t>';</a:t>
+            </a:r>
+          </a:p>
+          <a:p>
+            <a:pPr>
+              <a:buNone/>
+            </a:pPr>
+            <a:r>
+              <a:rPr lang="en-IN" dirty="0"/>
+              <a:t/>
+            </a:r>
+            <a:br>
+              <a:rPr lang="en-IN" dirty="0"/>
+            </a:br>
+            <a:r>
+              <a:rPr lang="en-IN" dirty="0"/>
+              <a:t>// Create a react component</a:t>
+            </a:r>
+          </a:p>
+          <a:p>
+            <a:pPr lvl="1">
+              <a:buNone/>
+            </a:pPr>
+            <a:r>
+              <a:rPr lang="en-IN" dirty="0">
+                <a:latin typeface="Courier New" pitchFamily="49" charset="0"/>
+                <a:cs typeface="Courier New" pitchFamily="49" charset="0"/>
+              </a:rPr>
+              <a:t>const App = () =&gt; {</a:t>
+            </a:r>
+          </a:p>
+          <a:p>
+            <a:pPr lvl="1">
+              <a:buNone/>
+            </a:pPr>
+            <a:r>
+              <a:rPr lang="en-IN" dirty="0">
+                <a:latin typeface="Courier New" pitchFamily="49" charset="0"/>
+                <a:cs typeface="Courier New" pitchFamily="49" charset="0"/>
+              </a:rPr>
+              <a:t>  return &lt;div&gt;Hi there 3!&lt;/div&gt;</a:t>
+            </a:r>
+          </a:p>
+          <a:p>
+            <a:pPr lvl="1">
+              <a:buNone/>
+            </a:pPr>
+            <a:r>
+              <a:rPr lang="en-IN" dirty="0">
                 <a:latin typeface="Courier New" pitchFamily="49" charset="0"/>
                 <a:cs typeface="Courier New" pitchFamily="49" charset="0"/>
               </a:rPr>
@@ -3889,7 +5560,89 @@
             </a:r>
           </a:p>
           <a:p>
-            <a:endParaRPr lang="en-IN" dirty="0"/>
+            <a:pPr>
+              <a:buNone/>
+            </a:pPr>
+            <a:r>
+              <a:rPr lang="en-IN" dirty="0"/>
+              <a:t/>
+            </a:r>
+            <a:br>
+              <a:rPr lang="en-IN" dirty="0"/>
+            </a:br>
+            <a:r>
+              <a:rPr lang="en-IN" dirty="0"/>
+              <a:t>// Display react component</a:t>
+            </a:r>
+          </a:p>
+          <a:p>
+            <a:pPr lvl="1">
+              <a:buNone/>
+            </a:pPr>
+            <a:r>
+              <a:rPr lang="en-IN" dirty="0" err="1">
+                <a:latin typeface="Courier New" pitchFamily="49" charset="0"/>
+                <a:cs typeface="Courier New" pitchFamily="49" charset="0"/>
+              </a:rPr>
+              <a:t>ReactDom.render</a:t>
+            </a:r>
+            <a:r>
+              <a:rPr lang="en-IN" dirty="0">
+                <a:latin typeface="Courier New" pitchFamily="49" charset="0"/>
+                <a:cs typeface="Courier New" pitchFamily="49" charset="0"/>
+              </a:rPr>
+              <a:t>(</a:t>
+            </a:r>
+          </a:p>
+          <a:p>
+            <a:pPr lvl="1">
+              <a:buNone/>
+            </a:pPr>
+            <a:r>
+              <a:rPr lang="en-IN" dirty="0">
+                <a:latin typeface="Courier New" pitchFamily="49" charset="0"/>
+                <a:cs typeface="Courier New" pitchFamily="49" charset="0"/>
+              </a:rPr>
+              <a:t>  &lt;App /&gt;,</a:t>
+            </a:r>
+          </a:p>
+          <a:p>
+            <a:pPr lvl="1">
+              <a:buNone/>
+            </a:pPr>
+            <a:r>
+              <a:rPr lang="en-IN" dirty="0">
+                <a:latin typeface="Courier New" pitchFamily="49" charset="0"/>
+                <a:cs typeface="Courier New" pitchFamily="49" charset="0"/>
+              </a:rPr>
+              <a:t>  </a:t>
+            </a:r>
+            <a:r>
+              <a:rPr lang="en-IN" dirty="0" err="1">
+                <a:latin typeface="Courier New" pitchFamily="49" charset="0"/>
+                <a:cs typeface="Courier New" pitchFamily="49" charset="0"/>
+              </a:rPr>
+              <a:t>document.querySelector</a:t>
+            </a:r>
+            <a:r>
+              <a:rPr lang="en-IN" dirty="0">
+                <a:latin typeface="Courier New" pitchFamily="49" charset="0"/>
+                <a:cs typeface="Courier New" pitchFamily="49" charset="0"/>
+              </a:rPr>
+              <a:t>('#root')</a:t>
+            </a:r>
+          </a:p>
+          <a:p>
+            <a:pPr lvl="1">
+              <a:buNone/>
+            </a:pPr>
+            <a:r>
+              <a:rPr lang="en-IN" dirty="0">
+                <a:latin typeface="Courier New" pitchFamily="49" charset="0"/>
+                <a:cs typeface="Courier New" pitchFamily="49" charset="0"/>
+              </a:rPr>
+              <a:t>)</a:t>
+            </a:r>
           </a:p>
         </p:txBody>
       </p:sp>
@@ -3935,7 +5688,7 @@
           <a:p>
             <a:r>
               <a:rPr lang="en-IN" dirty="0" smtClean="0"/>
-              <a:t>JSX</a:t>
+              <a:t>Babel</a:t>
             </a:r>
             <a:endParaRPr lang="en-IN" dirty="0"/>
           </a:p>
@@ -3954,122 +5707,56 @@
         <p:spPr/>
         <p:txBody>
           <a:bodyPr>
-            <a:normAutofit fontScale="92500" lnSpcReduction="20000"/>
+            <a:normAutofit/>
           </a:bodyPr>
           <a:lstStyle/>
           <a:p>
             <a:r>
+              <a:rPr lang="en-IN" dirty="0" smtClean="0"/>
+              <a:t>Check how </a:t>
+            </a:r>
+            <a:r>
               <a:rPr lang="en-IN" dirty="0" err="1" smtClean="0"/>
-              <a:t>className</a:t>
-            </a:r>
-            <a:r>
-              <a:rPr lang="en-IN" dirty="0"/>
-              <a:t>,</a:t>
-            </a:r>
-            <a:r>
-              <a:rPr lang="en-IN" dirty="0" smtClean="0"/>
-              <a:t> style, </a:t>
+              <a:t>babel</a:t>
+            </a:r>
+            <a:r>
+              <a:rPr lang="en-IN" dirty="0" smtClean="0"/>
+              <a:t> convert es2015 to normal es5 version</a:t>
+            </a:r>
+          </a:p>
+          <a:p>
+            <a:r>
+              <a:rPr lang="en-IN" dirty="0" smtClean="0"/>
+              <a:t>Go to site </a:t>
+            </a:r>
+            <a:r>
+              <a:rPr lang="en-IN" dirty="0" smtClean="0">
+                <a:hlinkClick r:id="rId2"/>
+              </a:rPr>
+              <a:t>https://babeljs.io/repl</a:t>
+            </a:r>
+            <a:endParaRPr lang="en-IN" dirty="0"/>
+          </a:p>
+          <a:p>
+            <a:r>
+              <a:rPr lang="en-IN" dirty="0" smtClean="0"/>
+              <a:t>Select react on left checkbox and paste below code and check how </a:t>
             </a:r>
             <a:r>
               <a:rPr lang="en-IN" dirty="0" err="1" smtClean="0"/>
-              <a:t>htmlFor</a:t>
-            </a:r>
-            <a:r>
-              <a:rPr lang="en-IN" dirty="0" smtClean="0"/>
-              <a:t>, for(error) use of variable and function in </a:t>
-            </a:r>
-            <a:r>
-              <a:rPr lang="en-IN" dirty="0" err="1" smtClean="0"/>
-              <a:t>jsx</a:t>
-            </a:r>
-            <a:endParaRPr lang="en-IN" dirty="0" smtClean="0"/>
-          </a:p>
-          <a:p>
-            <a:pPr lvl="1">
-              <a:buNone/>
-            </a:pPr>
-            <a:endParaRPr lang="en-IN" sz="1400" dirty="0" smtClean="0">
-              <a:latin typeface="Courier New" pitchFamily="49" charset="0"/>
-              <a:cs typeface="Courier New" pitchFamily="49" charset="0"/>
-            </a:endParaRPr>
-          </a:p>
-          <a:p>
-            <a:pPr lvl="1">
-              <a:buNone/>
-            </a:pPr>
-            <a:r>
-              <a:rPr lang="en-IN" sz="1400" dirty="0" smtClean="0">
-                <a:latin typeface="Courier New" pitchFamily="49" charset="0"/>
-                <a:cs typeface="Courier New" pitchFamily="49" charset="0"/>
-              </a:rPr>
-              <a:t>function </a:t>
-            </a:r>
-            <a:r>
-              <a:rPr lang="en-IN" sz="1400" dirty="0" err="1" smtClean="0">
-                <a:latin typeface="Courier New" pitchFamily="49" charset="0"/>
-                <a:cs typeface="Courier New" pitchFamily="49" charset="0"/>
-              </a:rPr>
-              <a:t>getButtonText</a:t>
-            </a:r>
-            <a:r>
-              <a:rPr lang="en-IN" sz="1400" dirty="0" smtClean="0">
-                <a:latin typeface="Courier New" pitchFamily="49" charset="0"/>
-                <a:cs typeface="Courier New" pitchFamily="49" charset="0"/>
-              </a:rPr>
-              <a:t>() {</a:t>
-            </a:r>
-          </a:p>
-          <a:p>
-            <a:pPr lvl="1">
-              <a:buNone/>
-            </a:pPr>
-            <a:r>
-              <a:rPr lang="en-IN" sz="1400" dirty="0" smtClean="0">
-                <a:latin typeface="Courier New" pitchFamily="49" charset="0"/>
-                <a:cs typeface="Courier New" pitchFamily="49" charset="0"/>
-              </a:rPr>
-              <a:t>  return 'CLICK ME';</a:t>
-            </a:r>
-          </a:p>
-          <a:p>
-            <a:pPr lvl="1">
-              <a:buNone/>
-            </a:pPr>
-            <a:r>
-              <a:rPr lang="en-IN" sz="1400" dirty="0" smtClean="0">
-                <a:latin typeface="Courier New" pitchFamily="49" charset="0"/>
-                <a:cs typeface="Courier New" pitchFamily="49" charset="0"/>
-              </a:rPr>
-              <a:t>}</a:t>
-            </a:r>
-          </a:p>
-          <a:p>
-            <a:pPr lvl="1">
-              <a:buNone/>
-            </a:pPr>
-            <a:endParaRPr lang="en-IN" sz="1400" dirty="0" smtClean="0">
-              <a:latin typeface="Courier New" pitchFamily="49" charset="0"/>
-              <a:cs typeface="Courier New" pitchFamily="49" charset="0"/>
-            </a:endParaRPr>
-          </a:p>
-          <a:p>
-            <a:pPr lvl="1">
-              <a:buNone/>
-            </a:pPr>
-            <a:r>
-              <a:rPr lang="en-IN" sz="1400" dirty="0" smtClean="0">
-                <a:latin typeface="Courier New" pitchFamily="49" charset="0"/>
-                <a:cs typeface="Courier New" pitchFamily="49" charset="0"/>
-              </a:rPr>
-              <a:t>// Create a react component</a:t>
-            </a:r>
-          </a:p>
-          <a:p>
-            <a:pPr lvl="1">
-              <a:buNone/>
-            </a:pPr>
-            <a:r>
-              <a:rPr lang="en-IN" sz="1400" dirty="0" smtClean="0">
+              <a:t>babel</a:t>
+            </a:r>
+            <a:r>
+              <a:rPr lang="en-IN" dirty="0" smtClean="0"/>
+              <a:t> converts code</a:t>
+            </a:r>
+          </a:p>
+          <a:p>
+            <a:pPr lvl="1">
+              <a:buNone/>
+            </a:pPr>
+            <a:r>
+              <a:rPr lang="en-IN" dirty="0" smtClean="0">
                 <a:latin typeface="Courier New" pitchFamily="49" charset="0"/>
                 <a:cs typeface="Courier New" pitchFamily="49" charset="0"/>
               </a:rPr>
@@ -4081,192 +5768,26 @@
               <a:buNone/>
             </a:pPr>
             <a:r>
-              <a:rPr lang="en-IN" sz="1400" dirty="0" smtClean="0">
-                <a:latin typeface="Courier New" pitchFamily="49" charset="0"/>
-                <a:cs typeface="Courier New" pitchFamily="49" charset="0"/>
-              </a:rPr>
-              <a:t>  const </a:t>
-            </a:r>
-            <a:r>
-              <a:rPr lang="en-IN" sz="1400" dirty="0" err="1" smtClean="0">
-                <a:latin typeface="Courier New" pitchFamily="49" charset="0"/>
-                <a:cs typeface="Courier New" pitchFamily="49" charset="0"/>
-              </a:rPr>
-              <a:t>buttonText</a:t>
-            </a:r>
-            <a:r>
-              <a:rPr lang="en-IN" sz="1400" dirty="0" smtClean="0">
-                <a:latin typeface="Courier New" pitchFamily="49" charset="0"/>
-                <a:cs typeface="Courier New" pitchFamily="49" charset="0"/>
-              </a:rPr>
-              <a:t> = "CLICK ME!";</a:t>
-            </a:r>
-          </a:p>
-          <a:p>
-            <a:pPr lvl="1">
-              <a:buNone/>
-            </a:pPr>
-            <a:r>
-              <a:rPr lang="en-IN" sz="1400" dirty="0" smtClean="0">
-                <a:latin typeface="Courier New" pitchFamily="49" charset="0"/>
-                <a:cs typeface="Courier New" pitchFamily="49" charset="0"/>
-              </a:rPr>
-              <a:t>  return (</a:t>
-            </a:r>
-          </a:p>
-          <a:p>
-            <a:pPr lvl="1">
-              <a:buNone/>
-            </a:pPr>
-            <a:r>
-              <a:rPr lang="en-IN" sz="1400" dirty="0" smtClean="0">
-                <a:latin typeface="Courier New" pitchFamily="49" charset="0"/>
-                <a:cs typeface="Courier New" pitchFamily="49" charset="0"/>
-              </a:rPr>
-              <a:t>    &lt;div&gt;</a:t>
-            </a:r>
-          </a:p>
-          <a:p>
-            <a:pPr lvl="1">
-              <a:buNone/>
-            </a:pPr>
-            <a:r>
-              <a:rPr lang="en-IN" sz="1400" dirty="0" smtClean="0">
-                <a:latin typeface="Courier New" pitchFamily="49" charset="0"/>
-                <a:cs typeface="Courier New" pitchFamily="49" charset="0"/>
-              </a:rPr>
-              <a:t>      &lt;label </a:t>
-            </a:r>
-            <a:r>
-              <a:rPr lang="en-IN" sz="1400" dirty="0" err="1" smtClean="0">
-                <a:latin typeface="Courier New" pitchFamily="49" charset="0"/>
-                <a:cs typeface="Courier New" pitchFamily="49" charset="0"/>
-              </a:rPr>
-              <a:t>className</a:t>
-            </a:r>
-            <a:r>
-              <a:rPr lang="en-IN" sz="1400" dirty="0" smtClean="0">
-                <a:latin typeface="Courier New" pitchFamily="49" charset="0"/>
-                <a:cs typeface="Courier New" pitchFamily="49" charset="0"/>
-              </a:rPr>
-              <a:t>="label" </a:t>
-            </a:r>
-            <a:r>
-              <a:rPr lang="en-IN" sz="1400" dirty="0" err="1" smtClean="0">
-                <a:latin typeface="Courier New" pitchFamily="49" charset="0"/>
-                <a:cs typeface="Courier New" pitchFamily="49" charset="0"/>
-              </a:rPr>
-              <a:t>htmlFor</a:t>
-            </a:r>
-            <a:r>
-              <a:rPr lang="en-IN" sz="1400" dirty="0" smtClean="0">
-                <a:latin typeface="Courier New" pitchFamily="49" charset="0"/>
-                <a:cs typeface="Courier New" pitchFamily="49" charset="0"/>
-              </a:rPr>
-              <a:t>="name"&gt;Enter name&lt;/label&gt;</a:t>
-            </a:r>
-          </a:p>
-          <a:p>
-            <a:pPr lvl="1">
-              <a:buNone/>
-            </a:pPr>
-            <a:r>
-              <a:rPr lang="en-IN" sz="1400" dirty="0" smtClean="0">
-                <a:latin typeface="Courier New" pitchFamily="49" charset="0"/>
-                <a:cs typeface="Courier New" pitchFamily="49" charset="0"/>
-              </a:rPr>
-              <a:t>      &lt;input id="name" type="text" /&gt;</a:t>
-            </a:r>
-          </a:p>
-          <a:p>
-            <a:pPr lvl="1">
-              <a:buNone/>
-            </a:pPr>
-            <a:r>
-              <a:rPr lang="en-IN" sz="1400" dirty="0" smtClean="0">
-                <a:latin typeface="Courier New" pitchFamily="49" charset="0"/>
-                <a:cs typeface="Courier New" pitchFamily="49" charset="0"/>
-              </a:rPr>
-              <a:t>      &lt;button style={{ </a:t>
-            </a:r>
-            <a:r>
-              <a:rPr lang="en-IN" sz="1400" dirty="0" err="1" smtClean="0">
-                <a:latin typeface="Courier New" pitchFamily="49" charset="0"/>
-                <a:cs typeface="Courier New" pitchFamily="49" charset="0"/>
-              </a:rPr>
-              <a:t>backgroundColor</a:t>
-            </a:r>
-            <a:r>
-              <a:rPr lang="en-IN" sz="1400" dirty="0" smtClean="0">
-                <a:latin typeface="Courier New" pitchFamily="49" charset="0"/>
-                <a:cs typeface="Courier New" pitchFamily="49" charset="0"/>
-              </a:rPr>
-              <a:t>: 'blue', </a:t>
-            </a:r>
-            <a:r>
-              <a:rPr lang="en-IN" sz="1400" dirty="0" err="1" smtClean="0">
-                <a:latin typeface="Courier New" pitchFamily="49" charset="0"/>
-                <a:cs typeface="Courier New" pitchFamily="49" charset="0"/>
-              </a:rPr>
-              <a:t>color</a:t>
-            </a:r>
-            <a:r>
-              <a:rPr lang="en-IN" sz="1400" dirty="0" smtClean="0">
-                <a:latin typeface="Courier New" pitchFamily="49" charset="0"/>
-                <a:cs typeface="Courier New" pitchFamily="49" charset="0"/>
-              </a:rPr>
-              <a:t>: 'white' }}&gt;{</a:t>
-            </a:r>
-            <a:r>
-              <a:rPr lang="en-IN" sz="1400" dirty="0" err="1" smtClean="0">
-                <a:latin typeface="Courier New" pitchFamily="49" charset="0"/>
-                <a:cs typeface="Courier New" pitchFamily="49" charset="0"/>
-              </a:rPr>
-              <a:t>getButtonText</a:t>
-            </a:r>
-            <a:r>
-              <a:rPr lang="en-IN" sz="1400" dirty="0" smtClean="0">
-                <a:latin typeface="Courier New" pitchFamily="49" charset="0"/>
-                <a:cs typeface="Courier New" pitchFamily="49" charset="0"/>
-              </a:rPr>
-              <a:t>()}&lt;/button&gt;</a:t>
-            </a:r>
-          </a:p>
-          <a:p>
-            <a:pPr lvl="1">
-              <a:buNone/>
-            </a:pPr>
-            <a:r>
-              <a:rPr lang="en-IN" sz="1400" dirty="0" smtClean="0">
-                <a:latin typeface="Courier New" pitchFamily="49" charset="0"/>
-                <a:cs typeface="Courier New" pitchFamily="49" charset="0"/>
-              </a:rPr>
-              <a:t>    &lt;/div&gt;</a:t>
-            </a:r>
-          </a:p>
-          <a:p>
-            <a:pPr lvl="1">
-              <a:buNone/>
-            </a:pPr>
-            <a:r>
-              <a:rPr lang="en-IN" sz="1400" dirty="0" smtClean="0">
-                <a:latin typeface="Courier New" pitchFamily="49" charset="0"/>
-                <a:cs typeface="Courier New" pitchFamily="49" charset="0"/>
-              </a:rPr>
-              <a:t>  );</a:t>
-            </a:r>
-          </a:p>
-          <a:p>
-            <a:pPr lvl="1">
-              <a:buNone/>
-            </a:pPr>
-            <a:r>
-              <a:rPr lang="en-IN" sz="1400" dirty="0" smtClean="0">
+              <a:rPr lang="en-IN" dirty="0" smtClean="0">
+                <a:latin typeface="Courier New" pitchFamily="49" charset="0"/>
+                <a:cs typeface="Courier New" pitchFamily="49" charset="0"/>
+              </a:rPr>
+              <a:t>  return &lt;div&gt;Hi there!&lt;/div&gt;</a:t>
+            </a:r>
+          </a:p>
+          <a:p>
+            <a:pPr lvl="1">
+              <a:buNone/>
+            </a:pPr>
+            <a:r>
+              <a:rPr lang="en-IN" dirty="0" smtClean="0">
                 <a:latin typeface="Courier New" pitchFamily="49" charset="0"/>
                 <a:cs typeface="Courier New" pitchFamily="49" charset="0"/>
               </a:rPr>
               <a:t>};</a:t>
             </a:r>
+          </a:p>
+          <a:p>
             <a:endParaRPr lang="en-IN" dirty="0"/>
           </a:p>
         </p:txBody>
@@ -4313,7 +5834,7 @@
           <a:p>
             <a:r>
               <a:rPr lang="en-IN" dirty="0" smtClean="0"/>
-              <a:t>Component – Part 1</a:t>
+              <a:t>JSX</a:t>
             </a:r>
             <a:endParaRPr lang="en-IN" dirty="0"/>
           </a:p>
@@ -4332,184 +5853,319 @@
         <p:spPr/>
         <p:txBody>
           <a:bodyPr>
-            <a:normAutofit fontScale="55000" lnSpcReduction="20000"/>
+            <a:normAutofit fontScale="92500" lnSpcReduction="20000"/>
           </a:bodyPr>
           <a:lstStyle/>
           <a:p>
             <a:r>
-              <a:rPr lang="en-IN" dirty="0" smtClean="0"/>
-              <a:t>Nesting</a:t>
-            </a:r>
-          </a:p>
-          <a:p>
-            <a:r>
-              <a:rPr lang="en-IN" dirty="0" smtClean="0"/>
-              <a:t>Reusability</a:t>
-            </a:r>
-          </a:p>
-          <a:p>
-            <a:r>
-              <a:rPr lang="en-IN" dirty="0" smtClean="0"/>
-              <a:t>Configuration</a:t>
-            </a:r>
-          </a:p>
-          <a:p>
-            <a:r>
-              <a:rPr lang="en-IN" dirty="0" smtClean="0"/>
-              <a:t>Create screen that display list of Image, name, comment and time</a:t>
-            </a:r>
-          </a:p>
-          <a:p>
-            <a:r>
-              <a:rPr lang="en-IN" dirty="0" smtClean="0"/>
-              <a:t>Create new project components</a:t>
-            </a:r>
-          </a:p>
-          <a:p>
-            <a:r>
-              <a:rPr lang="en-IN" dirty="0" smtClean="0"/>
-              <a:t>link semantic </a:t>
-            </a:r>
-            <a:r>
               <a:rPr lang="en-IN" dirty="0" err="1" smtClean="0"/>
-              <a:t>ui</a:t>
-            </a:r>
-            <a:r>
-              <a:rPr lang="en-IN" dirty="0" smtClean="0"/>
-              <a:t> </a:t>
+              <a:t>className</a:t>
+            </a:r>
+            <a:r>
+              <a:rPr lang="en-IN" dirty="0"/>
+              <a:t>,</a:t>
+            </a:r>
+            <a:r>
+              <a:rPr lang="en-IN" dirty="0" smtClean="0"/>
+              <a:t> style, </a:t>
             </a:r>
             <a:r>
               <a:rPr lang="en-IN" dirty="0" err="1" smtClean="0"/>
-              <a:t>cdn</a:t>
+              <a:t>htmlFor</a:t>
+            </a:r>
+            <a:r>
+              <a:rPr lang="en-IN" dirty="0" smtClean="0"/>
+              <a:t>, for(error) use of variable and function in </a:t>
+            </a:r>
+            <a:r>
+              <a:rPr lang="en-IN" dirty="0" err="1" smtClean="0"/>
+              <a:t>jsx</a:t>
             </a:r>
             <a:endParaRPr lang="en-IN" dirty="0" smtClean="0"/>
           </a:p>
           <a:p>
-            <a:r>
-              <a:rPr lang="en-IN" dirty="0" smtClean="0">
-                <a:hlinkClick r:id="rId2"/>
-              </a:rPr>
-              <a:t>https://cdnjs.cloudflare.com/ajax/libs/semantic-ui/2.4.1/semantic.min.css</a:t>
-            </a:r>
-            <a:endParaRPr lang="en-IN" dirty="0" smtClean="0"/>
-          </a:p>
-          <a:p>
-            <a:r>
-              <a:rPr lang="en-IN" dirty="0" smtClean="0"/>
-              <a:t>Use html code from </a:t>
-            </a:r>
-            <a:r>
-              <a:rPr lang="en-IN" dirty="0" smtClean="0">
-                <a:hlinkClick r:id="rId3"/>
-              </a:rPr>
-              <a:t>https://semantic-ui.com/views/comment.html</a:t>
-            </a:r>
-            <a:r>
-              <a:rPr lang="en-IN" dirty="0" smtClean="0"/>
-              <a:t> </a:t>
-            </a:r>
-          </a:p>
-          <a:p>
-            <a:r>
-              <a:rPr lang="en-IN" dirty="0" smtClean="0"/>
-              <a:t>Take avatar images from http://dummy-image-generator.com/</a:t>
-            </a:r>
-            <a:endParaRPr lang="en-IN" sz="3100" dirty="0" smtClean="0"/>
-          </a:p>
-          <a:p>
-            <a:r>
-              <a:rPr lang="en-IN" sz="3100" dirty="0" smtClean="0"/>
-              <a:t>Duplicate </a:t>
-            </a:r>
-            <a:r>
-              <a:rPr lang="en-IN" sz="3100" dirty="0" err="1" smtClean="0"/>
-              <a:t>className</a:t>
-            </a:r>
-            <a:r>
-              <a:rPr lang="en-IN" sz="3100" dirty="0" smtClean="0"/>
-              <a:t> comment </a:t>
-            </a:r>
-            <a:r>
-              <a:rPr lang="en-IN" sz="3100" dirty="0" err="1" smtClean="0"/>
-              <a:t>jsx</a:t>
-            </a:r>
-            <a:r>
-              <a:rPr lang="en-IN" sz="3100" dirty="0" smtClean="0"/>
-              <a:t> code twice</a:t>
-            </a:r>
-          </a:p>
-          <a:p>
-            <a:r>
-              <a:rPr lang="en-IN" sz="3100" dirty="0" smtClean="0"/>
-              <a:t>Check on browser</a:t>
-            </a:r>
-          </a:p>
-          <a:p>
-            <a:r>
-              <a:rPr lang="en-IN" sz="3100" dirty="0" smtClean="0"/>
-              <a:t>Create component for duplicate code</a:t>
-            </a:r>
-          </a:p>
-          <a:p>
-            <a:r>
-              <a:rPr lang="en-IN" sz="3100" dirty="0" smtClean="0"/>
-              <a:t>Create new file under </a:t>
-            </a:r>
-            <a:r>
-              <a:rPr lang="en-IN" sz="3100" dirty="0" err="1" smtClean="0"/>
-              <a:t>src</a:t>
-            </a:r>
-            <a:r>
-              <a:rPr lang="en-IN" sz="3100" dirty="0" smtClean="0"/>
-              <a:t> folder with name comment-</a:t>
-            </a:r>
-            <a:r>
-              <a:rPr lang="en-IN" sz="3100" dirty="0" err="1" smtClean="0"/>
-              <a:t>detail.component.js</a:t>
-            </a:r>
-            <a:endParaRPr lang="en-IN" sz="3100" dirty="0" smtClean="0"/>
-          </a:p>
-          <a:p>
-            <a:r>
-              <a:rPr lang="en-IN" sz="3100" dirty="0" smtClean="0"/>
-              <a:t>Configure React’s props system in comment-</a:t>
-            </a:r>
-            <a:r>
-              <a:rPr lang="en-IN" sz="3100" dirty="0" err="1" smtClean="0"/>
-              <a:t>detail.component.js</a:t>
-            </a:r>
-            <a:r>
-              <a:rPr lang="en-IN" sz="3100" dirty="0" smtClean="0"/>
-              <a:t> file to customize the component for passing data from parent to child component</a:t>
-            </a:r>
-          </a:p>
-          <a:p>
-            <a:r>
-              <a:rPr lang="en-IN" sz="3100" dirty="0" smtClean="0"/>
-              <a:t>Create one more component with name approval-</a:t>
-            </a:r>
-            <a:r>
-              <a:rPr lang="en-IN" sz="3100" dirty="0" err="1" smtClean="0"/>
-              <a:t>card.component.js</a:t>
-            </a:r>
-            <a:endParaRPr lang="en-IN" sz="3100" dirty="0" smtClean="0"/>
-          </a:p>
-          <a:p>
-            <a:pPr>
-              <a:buNone/>
-            </a:pPr>
-            <a:endParaRPr lang="en-IN" sz="3100" dirty="0" smtClean="0"/>
-          </a:p>
-          <a:p>
-            <a:endParaRPr lang="en-IN" dirty="0" smtClean="0">
+            <a:pPr lvl="1">
+              <a:buNone/>
+            </a:pPr>
+            <a:endParaRPr lang="en-IN" sz="1400" dirty="0" smtClean="0">
               <a:latin typeface="Courier New" pitchFamily="49" charset="0"/>
               <a:cs typeface="Courier New" pitchFamily="49" charset="0"/>
             </a:endParaRPr>
           </a:p>
           <a:p>
-            <a:endParaRPr lang="en-IN" dirty="0" smtClean="0"/>
-          </a:p>
-          <a:p>
+            <a:pPr lvl="1">
+              <a:buNone/>
+            </a:pPr>
+            <a:r>
+              <a:rPr lang="en-IN" sz="1400" dirty="0" smtClean="0">
+                <a:latin typeface="Courier New" pitchFamily="49" charset="0"/>
+                <a:cs typeface="Courier New" pitchFamily="49" charset="0"/>
+              </a:rPr>
+              <a:t>function </a:t>
+            </a:r>
+            <a:r>
+              <a:rPr lang="en-IN" sz="1400" dirty="0" err="1" smtClean="0">
+                <a:latin typeface="Courier New" pitchFamily="49" charset="0"/>
+                <a:cs typeface="Courier New" pitchFamily="49" charset="0"/>
+              </a:rPr>
+              <a:t>getButtonText</a:t>
+            </a:r>
+            <a:r>
+              <a:rPr lang="en-IN" sz="1400" dirty="0" smtClean="0">
+                <a:latin typeface="Courier New" pitchFamily="49" charset="0"/>
+                <a:cs typeface="Courier New" pitchFamily="49" charset="0"/>
+              </a:rPr>
+              <a:t>() {</a:t>
+            </a:r>
+          </a:p>
+          <a:p>
+            <a:pPr lvl="1">
+              <a:buNone/>
+            </a:pPr>
+            <a:r>
+              <a:rPr lang="en-IN" sz="1400" dirty="0" smtClean="0">
+                <a:latin typeface="Courier New" pitchFamily="49" charset="0"/>
+                <a:cs typeface="Courier New" pitchFamily="49" charset="0"/>
+              </a:rPr>
+              <a:t>  return 'CLICK ME';</a:t>
+            </a:r>
+          </a:p>
+          <a:p>
+            <a:pPr lvl="1">
+              <a:buNone/>
+            </a:pPr>
+            <a:r>
+              <a:rPr lang="en-IN" sz="1400" dirty="0" smtClean="0">
+                <a:latin typeface="Courier New" pitchFamily="49" charset="0"/>
+                <a:cs typeface="Courier New" pitchFamily="49" charset="0"/>
+              </a:rPr>
+              <a:t>}</a:t>
+            </a:r>
+          </a:p>
+          <a:p>
+            <a:pPr lvl="1">
+              <a:buNone/>
+            </a:pPr>
+            <a:endParaRPr lang="en-IN" sz="1400" dirty="0" smtClean="0">
+              <a:latin typeface="Courier New" pitchFamily="49" charset="0"/>
+              <a:cs typeface="Courier New" pitchFamily="49" charset="0"/>
+            </a:endParaRPr>
+          </a:p>
+          <a:p>
+            <a:pPr lvl="1">
+              <a:buNone/>
+            </a:pPr>
+            <a:r>
+              <a:rPr lang="en-IN" sz="1400" dirty="0" smtClean="0">
+                <a:latin typeface="Courier New" pitchFamily="49" charset="0"/>
+                <a:cs typeface="Courier New" pitchFamily="49" charset="0"/>
+              </a:rPr>
+              <a:t>// Create a react component</a:t>
+            </a:r>
+          </a:p>
+          <a:p>
+            <a:pPr lvl="1">
+              <a:buNone/>
+            </a:pPr>
+            <a:r>
+              <a:rPr lang="en-IN" sz="1400" dirty="0" smtClean="0">
+                <a:latin typeface="Courier New" pitchFamily="49" charset="0"/>
+                <a:cs typeface="Courier New" pitchFamily="49" charset="0"/>
+              </a:rPr>
+              <a:t>const App = () =&gt; {</a:t>
+            </a:r>
+          </a:p>
+          <a:p>
+            <a:pPr lvl="1">
+              <a:buNone/>
+            </a:pPr>
+            <a:r>
+              <a:rPr lang="en-IN" sz="1400" dirty="0" smtClean="0">
+                <a:latin typeface="Courier New" pitchFamily="49" charset="0"/>
+                <a:cs typeface="Courier New" pitchFamily="49" charset="0"/>
+              </a:rPr>
+              <a:t>  const </a:t>
+            </a:r>
+            <a:r>
+              <a:rPr lang="en-IN" sz="1400" dirty="0" err="1" smtClean="0">
+                <a:latin typeface="Courier New" pitchFamily="49" charset="0"/>
+                <a:cs typeface="Courier New" pitchFamily="49" charset="0"/>
+              </a:rPr>
+              <a:t>buttonText</a:t>
+            </a:r>
+            <a:r>
+              <a:rPr lang="en-IN" sz="1400" dirty="0" smtClean="0">
+                <a:latin typeface="Courier New" pitchFamily="49" charset="0"/>
+                <a:cs typeface="Courier New" pitchFamily="49" charset="0"/>
+              </a:rPr>
+              <a:t> = "CLICK ME!";</a:t>
+            </a:r>
+          </a:p>
+          <a:p>
+            <a:pPr lvl="1">
+              <a:buNone/>
+            </a:pPr>
+            <a:r>
+              <a:rPr lang="en-IN" sz="1400" dirty="0" smtClean="0">
+                <a:latin typeface="Courier New" pitchFamily="49" charset="0"/>
+                <a:cs typeface="Courier New" pitchFamily="49" charset="0"/>
+              </a:rPr>
+              <a:t>  return (</a:t>
+            </a:r>
+          </a:p>
+          <a:p>
+            <a:pPr lvl="1">
+              <a:buNone/>
+            </a:pPr>
+            <a:r>
+              <a:rPr lang="en-IN" sz="1400" dirty="0" smtClean="0">
+                <a:latin typeface="Courier New" pitchFamily="49" charset="0"/>
+                <a:cs typeface="Courier New" pitchFamily="49" charset="0"/>
+              </a:rPr>
+              <a:t>    &lt;div&gt;</a:t>
+            </a:r>
+          </a:p>
+          <a:p>
+            <a:pPr lvl="1">
+              <a:buNone/>
+            </a:pPr>
+            <a:r>
+              <a:rPr lang="en-IN" sz="1400" dirty="0" smtClean="0">
+                <a:latin typeface="Courier New" pitchFamily="49" charset="0"/>
+                <a:cs typeface="Courier New" pitchFamily="49" charset="0"/>
+              </a:rPr>
+              <a:t>      &lt;label </a:t>
+            </a:r>
+            <a:r>
+              <a:rPr lang="en-IN" sz="1400" dirty="0" err="1" smtClean="0">
+                <a:latin typeface="Courier New" pitchFamily="49" charset="0"/>
+                <a:cs typeface="Courier New" pitchFamily="49" charset="0"/>
+              </a:rPr>
+              <a:t>className</a:t>
+            </a:r>
+            <a:r>
+              <a:rPr lang="en-IN" sz="1400" dirty="0" smtClean="0">
+                <a:latin typeface="Courier New" pitchFamily="49" charset="0"/>
+                <a:cs typeface="Courier New" pitchFamily="49" charset="0"/>
+              </a:rPr>
+              <a:t>="label" </a:t>
+            </a:r>
+            <a:r>
+              <a:rPr lang="en-IN" sz="1400" dirty="0" err="1" smtClean="0">
+                <a:latin typeface="Courier New" pitchFamily="49" charset="0"/>
+                <a:cs typeface="Courier New" pitchFamily="49" charset="0"/>
+              </a:rPr>
+              <a:t>htmlFor</a:t>
+            </a:r>
+            <a:r>
+              <a:rPr lang="en-IN" sz="1400" dirty="0" smtClean="0">
+                <a:latin typeface="Courier New" pitchFamily="49" charset="0"/>
+                <a:cs typeface="Courier New" pitchFamily="49" charset="0"/>
+              </a:rPr>
+              <a:t>="name"&gt;Enter name&lt;/label&gt;</a:t>
+            </a:r>
+          </a:p>
+          <a:p>
+            <a:pPr lvl="1">
+              <a:buNone/>
+            </a:pPr>
+            <a:r>
+              <a:rPr lang="en-IN" sz="1400" dirty="0" smtClean="0">
+                <a:latin typeface="Courier New" pitchFamily="49" charset="0"/>
+                <a:cs typeface="Courier New" pitchFamily="49" charset="0"/>
+              </a:rPr>
+              <a:t>      &lt;input id="name" type="text" /&gt;</a:t>
+            </a:r>
+          </a:p>
+          <a:p>
+            <a:pPr lvl="1">
+              <a:buNone/>
+            </a:pPr>
+            <a:r>
+              <a:rPr lang="en-IN" sz="1400" dirty="0" smtClean="0">
+                <a:latin typeface="Courier New" pitchFamily="49" charset="0"/>
+                <a:cs typeface="Courier New" pitchFamily="49" charset="0"/>
+              </a:rPr>
+              <a:t>      &lt;button style={{ </a:t>
+            </a:r>
+            <a:r>
+              <a:rPr lang="en-IN" sz="1400" dirty="0" err="1" smtClean="0">
+                <a:latin typeface="Courier New" pitchFamily="49" charset="0"/>
+                <a:cs typeface="Courier New" pitchFamily="49" charset="0"/>
+              </a:rPr>
+              <a:t>backgroundColor</a:t>
+            </a:r>
+            <a:r>
+              <a:rPr lang="en-IN" sz="1400" dirty="0" smtClean="0">
+                <a:latin typeface="Courier New" pitchFamily="49" charset="0"/>
+                <a:cs typeface="Courier New" pitchFamily="49" charset="0"/>
+              </a:rPr>
+              <a:t>: 'blue', </a:t>
+            </a:r>
+            <a:r>
+              <a:rPr lang="en-IN" sz="1400" dirty="0" err="1" smtClean="0">
+                <a:latin typeface="Courier New" pitchFamily="49" charset="0"/>
+                <a:cs typeface="Courier New" pitchFamily="49" charset="0"/>
+              </a:rPr>
+              <a:t>color</a:t>
+            </a:r>
+            <a:r>
+              <a:rPr lang="en-IN" sz="1400" dirty="0" smtClean="0">
+                <a:latin typeface="Courier New" pitchFamily="49" charset="0"/>
+                <a:cs typeface="Courier New" pitchFamily="49" charset="0"/>
+              </a:rPr>
+              <a:t>: 'white' }}&gt;{</a:t>
+            </a:r>
+            <a:r>
+              <a:rPr lang="en-IN" sz="1400" dirty="0" err="1" smtClean="0">
+                <a:latin typeface="Courier New" pitchFamily="49" charset="0"/>
+                <a:cs typeface="Courier New" pitchFamily="49" charset="0"/>
+              </a:rPr>
+              <a:t>getButtonText</a:t>
+            </a:r>
+            <a:r>
+              <a:rPr lang="en-IN" sz="1400" dirty="0" smtClean="0">
+                <a:latin typeface="Courier New" pitchFamily="49" charset="0"/>
+                <a:cs typeface="Courier New" pitchFamily="49" charset="0"/>
+              </a:rPr>
+              <a:t>()}&lt;/button&gt;</a:t>
+            </a:r>
+          </a:p>
+          <a:p>
+            <a:pPr lvl="1">
+              <a:buNone/>
+            </a:pPr>
+            <a:r>
+              <a:rPr lang="en-IN" sz="1400" dirty="0" smtClean="0">
+                <a:latin typeface="Courier New" pitchFamily="49" charset="0"/>
+                <a:cs typeface="Courier New" pitchFamily="49" charset="0"/>
+              </a:rPr>
+              <a:t>    &lt;/div&gt;</a:t>
+            </a:r>
+          </a:p>
+          <a:p>
+            <a:pPr lvl="1">
+              <a:buNone/>
+            </a:pPr>
+            <a:r>
+              <a:rPr lang="en-IN" sz="1400" dirty="0" smtClean="0">
+                <a:latin typeface="Courier New" pitchFamily="49" charset="0"/>
+                <a:cs typeface="Courier New" pitchFamily="49" charset="0"/>
+              </a:rPr>
+              <a:t>  );</a:t>
+            </a:r>
+          </a:p>
+          <a:p>
+            <a:pPr lvl="1">
+              <a:buNone/>
+            </a:pPr>
+            <a:r>
+              <a:rPr lang="en-IN" sz="1400" dirty="0" smtClean="0">
+                <a:latin typeface="Courier New" pitchFamily="49" charset="0"/>
+                <a:cs typeface="Courier New" pitchFamily="49" charset="0"/>
+              </a:rPr>
+              <a:t>};</a:t>
+            </a:r>
             <a:endParaRPr lang="en-IN" dirty="0"/>
           </a:p>
         </p:txBody>
@@ -4556,7 +6212,7 @@
           <a:p>
             <a:r>
               <a:rPr lang="en-IN" dirty="0" smtClean="0"/>
-              <a:t>Component – Part 2</a:t>
+              <a:t>Component – Part 1</a:t>
             </a:r>
             <a:endParaRPr lang="en-IN" dirty="0"/>
           </a:p>
@@ -4575,245 +6231,182 @@
         <p:spPr/>
         <p:txBody>
           <a:bodyPr>
-            <a:normAutofit fontScale="40000" lnSpcReduction="20000"/>
+            <a:normAutofit fontScale="55000" lnSpcReduction="20000"/>
           </a:bodyPr>
           <a:lstStyle/>
           <a:p>
             <a:r>
-              <a:rPr lang="en-IN" sz="6000" dirty="0" smtClean="0"/>
-              <a:t>Insert card html code from </a:t>
-            </a:r>
-            <a:r>
-              <a:rPr lang="en-IN" sz="6000" dirty="0" smtClean="0">
+              <a:rPr lang="en-IN" dirty="0" smtClean="0"/>
+              <a:t>Nesting</a:t>
+            </a:r>
+          </a:p>
+          <a:p>
+            <a:r>
+              <a:rPr lang="en-IN" dirty="0" smtClean="0"/>
+              <a:t>Reusability</a:t>
+            </a:r>
+          </a:p>
+          <a:p>
+            <a:r>
+              <a:rPr lang="en-IN" dirty="0" smtClean="0"/>
+              <a:t>Configuration</a:t>
+            </a:r>
+          </a:p>
+          <a:p>
+            <a:r>
+              <a:rPr lang="en-IN" dirty="0" smtClean="0"/>
+              <a:t>Create screen that display list of Image, name, comment and time</a:t>
+            </a:r>
+          </a:p>
+          <a:p>
+            <a:r>
+              <a:rPr lang="en-IN" dirty="0" smtClean="0"/>
+              <a:t>Create new project components</a:t>
+            </a:r>
+          </a:p>
+          <a:p>
+            <a:r>
+              <a:rPr lang="en-IN" dirty="0" smtClean="0"/>
+              <a:t>link semantic </a:t>
+            </a:r>
+            <a:r>
+              <a:rPr lang="en-IN" dirty="0" err="1" smtClean="0"/>
+              <a:t>ui</a:t>
+            </a:r>
+            <a:r>
+              <a:rPr lang="en-IN" dirty="0" smtClean="0"/>
+              <a:t> </a:t>
+            </a:r>
+            <a:r>
+              <a:rPr lang="en-IN" dirty="0" err="1" smtClean="0"/>
+              <a:t>cdn</a:t>
+            </a:r>
+            <a:endParaRPr lang="en-IN" dirty="0" smtClean="0"/>
+          </a:p>
+          <a:p>
+            <a:r>
+              <a:rPr lang="en-IN" dirty="0" smtClean="0">
                 <a:hlinkClick r:id="rId2"/>
               </a:rPr>
-              <a:t>https://semantic-ui.com/views/card.html</a:t>
-            </a:r>
-            <a:endParaRPr lang="en-IN" sz="6000" dirty="0" smtClean="0"/>
+              <a:t>https://cdnjs.cloudflare.com/ajax/libs/semantic-ui/2.4.1/semantic.min.css</a:t>
+            </a:r>
+            <a:endParaRPr lang="en-IN" dirty="0" smtClean="0"/>
+          </a:p>
+          <a:p>
+            <a:r>
+              <a:rPr lang="en-IN" dirty="0" smtClean="0"/>
+              <a:t>Use html code from </a:t>
+            </a:r>
+            <a:r>
+              <a:rPr lang="en-IN" dirty="0" smtClean="0">
+                <a:hlinkClick r:id="rId3"/>
+              </a:rPr>
+              <a:t>https://semantic-ui.com/views/comment.html</a:t>
+            </a:r>
+            <a:r>
+              <a:rPr lang="en-IN" dirty="0" smtClean="0"/>
+              <a:t> </a:t>
+            </a:r>
+          </a:p>
+          <a:p>
+            <a:r>
+              <a:rPr lang="en-IN" dirty="0" smtClean="0"/>
+              <a:t>Take avatar images from http://dummy-image-generator.com/</a:t>
+            </a:r>
+            <a:endParaRPr lang="en-IN" sz="3100" dirty="0" smtClean="0"/>
+          </a:p>
+          <a:p>
+            <a:r>
+              <a:rPr lang="en-IN" sz="3100" dirty="0" smtClean="0"/>
+              <a:t>Duplicate </a:t>
+            </a:r>
+            <a:r>
+              <a:rPr lang="en-IN" sz="3100" dirty="0" err="1" smtClean="0"/>
+              <a:t>className</a:t>
+            </a:r>
+            <a:r>
+              <a:rPr lang="en-IN" sz="3100" dirty="0" smtClean="0"/>
+              <a:t> comment </a:t>
+            </a:r>
+            <a:r>
+              <a:rPr lang="en-IN" sz="3100" dirty="0" err="1" smtClean="0"/>
+              <a:t>jsx</a:t>
+            </a:r>
+            <a:r>
+              <a:rPr lang="en-IN" sz="3100" dirty="0" smtClean="0"/>
+              <a:t> code twice</a:t>
+            </a:r>
+          </a:p>
+          <a:p>
+            <a:r>
+              <a:rPr lang="en-IN" sz="3100" dirty="0" smtClean="0"/>
+              <a:t>Check on browser</a:t>
+            </a:r>
+          </a:p>
+          <a:p>
+            <a:r>
+              <a:rPr lang="en-IN" sz="3100" dirty="0" smtClean="0"/>
+              <a:t>Create component for duplicate code</a:t>
+            </a:r>
+          </a:p>
+          <a:p>
+            <a:r>
+              <a:rPr lang="en-IN" sz="3100" dirty="0" smtClean="0"/>
+              <a:t>Create new file under </a:t>
+            </a:r>
+            <a:r>
+              <a:rPr lang="en-IN" sz="3100" dirty="0" err="1" smtClean="0"/>
+              <a:t>src</a:t>
+            </a:r>
+            <a:r>
+              <a:rPr lang="en-IN" sz="3100" dirty="0" smtClean="0"/>
+              <a:t> folder with name comment-</a:t>
+            </a:r>
+            <a:r>
+              <a:rPr lang="en-IN" sz="3100" dirty="0" err="1" smtClean="0"/>
+              <a:t>detail.component.js</a:t>
+            </a:r>
+            <a:endParaRPr lang="en-IN" sz="3100" dirty="0" smtClean="0"/>
+          </a:p>
+          <a:p>
+            <a:r>
+              <a:rPr lang="en-IN" sz="3100" dirty="0" smtClean="0"/>
+              <a:t>Configure React’s props system in comment-</a:t>
+            </a:r>
+            <a:r>
+              <a:rPr lang="en-IN" sz="3100" dirty="0" err="1" smtClean="0"/>
+              <a:t>detail.component.js</a:t>
+            </a:r>
+            <a:r>
+              <a:rPr lang="en-IN" sz="3100" dirty="0" smtClean="0"/>
+              <a:t> file to customize the component for passing data from parent to child component</a:t>
+            </a:r>
+          </a:p>
+          <a:p>
+            <a:r>
+              <a:rPr lang="en-IN" sz="3100" dirty="0" smtClean="0"/>
+              <a:t>Create one more component with name approval-</a:t>
+            </a:r>
+            <a:r>
+              <a:rPr lang="en-IN" sz="3100" dirty="0" err="1" smtClean="0"/>
+              <a:t>card.component.js</a:t>
+            </a:r>
+            <a:endParaRPr lang="en-IN" sz="3100" dirty="0" smtClean="0"/>
           </a:p>
           <a:p>
             <a:pPr>
               <a:buNone/>
             </a:pPr>
-            <a:r>
-              <a:rPr lang="en-IN" dirty="0" smtClean="0">
-                <a:latin typeface="Courier New" pitchFamily="49" charset="0"/>
-                <a:cs typeface="Courier New" pitchFamily="49" charset="0"/>
-              </a:rPr>
-              <a:t>&lt;div class="</a:t>
-            </a:r>
-            <a:r>
-              <a:rPr lang="en-IN" dirty="0" err="1" smtClean="0">
-                <a:latin typeface="Courier New" pitchFamily="49" charset="0"/>
-                <a:cs typeface="Courier New" pitchFamily="49" charset="0"/>
-              </a:rPr>
-              <a:t>ui</a:t>
-            </a:r>
-            <a:r>
-              <a:rPr lang="en-IN" dirty="0" smtClean="0">
-                <a:latin typeface="Courier New" pitchFamily="49" charset="0"/>
-                <a:cs typeface="Courier New" pitchFamily="49" charset="0"/>
-              </a:rPr>
-              <a:t> card"&gt;</a:t>
-            </a:r>
-          </a:p>
-          <a:p>
-            <a:pPr>
-              <a:buNone/>
-            </a:pPr>
-            <a:r>
-              <a:rPr lang="en-IN" dirty="0" smtClean="0">
-                <a:latin typeface="Courier New" pitchFamily="49" charset="0"/>
-                <a:cs typeface="Courier New" pitchFamily="49" charset="0"/>
-              </a:rPr>
-              <a:t>      &lt;div class="content"&gt;</a:t>
-            </a:r>
-          </a:p>
-          <a:p>
-            <a:pPr>
-              <a:buNone/>
-            </a:pPr>
-            <a:r>
-              <a:rPr lang="en-IN" dirty="0" smtClean="0">
-                <a:latin typeface="Courier New" pitchFamily="49" charset="0"/>
-                <a:cs typeface="Courier New" pitchFamily="49" charset="0"/>
-              </a:rPr>
-              <a:t>        Are you sure?</a:t>
-            </a:r>
-          </a:p>
-          <a:p>
-            <a:pPr>
-              <a:buNone/>
-            </a:pPr>
-            <a:r>
-              <a:rPr lang="en-IN" dirty="0" smtClean="0">
-                <a:latin typeface="Courier New" pitchFamily="49" charset="0"/>
-                <a:cs typeface="Courier New" pitchFamily="49" charset="0"/>
-              </a:rPr>
-              <a:t>      &lt;/div&gt;</a:t>
-            </a:r>
-          </a:p>
-          <a:p>
-            <a:pPr>
-              <a:buNone/>
-            </a:pPr>
-            <a:r>
-              <a:rPr lang="en-IN" dirty="0" smtClean="0">
-                <a:latin typeface="Courier New" pitchFamily="49" charset="0"/>
-                <a:cs typeface="Courier New" pitchFamily="49" charset="0"/>
-              </a:rPr>
-              <a:t>      &lt;div class="extra content"&gt;</a:t>
-            </a:r>
-          </a:p>
-          <a:p>
-            <a:pPr>
-              <a:buNone/>
-            </a:pPr>
-            <a:r>
-              <a:rPr lang="en-IN" dirty="0" smtClean="0">
-                <a:latin typeface="Courier New" pitchFamily="49" charset="0"/>
-                <a:cs typeface="Courier New" pitchFamily="49" charset="0"/>
-              </a:rPr>
-              <a:t>        &lt;div class="</a:t>
-            </a:r>
-            <a:r>
-              <a:rPr lang="en-IN" dirty="0" err="1" smtClean="0">
-                <a:latin typeface="Courier New" pitchFamily="49" charset="0"/>
-                <a:cs typeface="Courier New" pitchFamily="49" charset="0"/>
-              </a:rPr>
-              <a:t>ui</a:t>
-            </a:r>
-            <a:r>
-              <a:rPr lang="en-IN" dirty="0" smtClean="0">
-                <a:latin typeface="Courier New" pitchFamily="49" charset="0"/>
-                <a:cs typeface="Courier New" pitchFamily="49" charset="0"/>
-              </a:rPr>
-              <a:t> two buttons"&gt;</a:t>
-            </a:r>
-          </a:p>
-          <a:p>
-            <a:pPr>
-              <a:buNone/>
-            </a:pPr>
-            <a:r>
-              <a:rPr lang="en-IN" dirty="0" smtClean="0">
-                <a:latin typeface="Courier New" pitchFamily="49" charset="0"/>
-                <a:cs typeface="Courier New" pitchFamily="49" charset="0"/>
-              </a:rPr>
-              <a:t>          &lt;div class="</a:t>
-            </a:r>
-            <a:r>
-              <a:rPr lang="en-IN" dirty="0" err="1" smtClean="0">
-                <a:latin typeface="Courier New" pitchFamily="49" charset="0"/>
-                <a:cs typeface="Courier New" pitchFamily="49" charset="0"/>
-              </a:rPr>
-              <a:t>ui</a:t>
-            </a:r>
-            <a:r>
-              <a:rPr lang="en-IN" dirty="0" smtClean="0">
-                <a:latin typeface="Courier New" pitchFamily="49" charset="0"/>
-                <a:cs typeface="Courier New" pitchFamily="49" charset="0"/>
-              </a:rPr>
-              <a:t> basic green button"&gt;Approve&lt;/div&gt;</a:t>
-            </a:r>
-          </a:p>
-          <a:p>
-            <a:pPr>
-              <a:buNone/>
-            </a:pPr>
-            <a:r>
-              <a:rPr lang="en-IN" dirty="0" smtClean="0">
-                <a:latin typeface="Courier New" pitchFamily="49" charset="0"/>
-                <a:cs typeface="Courier New" pitchFamily="49" charset="0"/>
-              </a:rPr>
-              <a:t>          &lt;div class="</a:t>
-            </a:r>
-            <a:r>
-              <a:rPr lang="en-IN" dirty="0" err="1" smtClean="0">
-                <a:latin typeface="Courier New" pitchFamily="49" charset="0"/>
-                <a:cs typeface="Courier New" pitchFamily="49" charset="0"/>
-              </a:rPr>
-              <a:t>ui</a:t>
-            </a:r>
-            <a:r>
-              <a:rPr lang="en-IN" dirty="0" smtClean="0">
-                <a:latin typeface="Courier New" pitchFamily="49" charset="0"/>
-                <a:cs typeface="Courier New" pitchFamily="49" charset="0"/>
-              </a:rPr>
-              <a:t> basic red button"&gt;Decline&lt;/div&gt;</a:t>
-            </a:r>
-          </a:p>
-          <a:p>
-            <a:pPr>
-              <a:buNone/>
-            </a:pPr>
-            <a:r>
-              <a:rPr lang="en-IN" dirty="0" smtClean="0">
-                <a:latin typeface="Courier New" pitchFamily="49" charset="0"/>
-                <a:cs typeface="Courier New" pitchFamily="49" charset="0"/>
-              </a:rPr>
-              <a:t>        &lt;/div&gt;</a:t>
-            </a:r>
-          </a:p>
-          <a:p>
-            <a:pPr>
-              <a:buNone/>
-            </a:pPr>
-            <a:r>
-              <a:rPr lang="en-IN" dirty="0" smtClean="0">
-                <a:latin typeface="Courier New" pitchFamily="49" charset="0"/>
-                <a:cs typeface="Courier New" pitchFamily="49" charset="0"/>
-              </a:rPr>
-              <a:t>      &lt;/div&gt;</a:t>
-            </a:r>
-          </a:p>
-          <a:p>
-            <a:pPr>
-              <a:buNone/>
-            </a:pPr>
-            <a:r>
-              <a:rPr lang="en-IN" dirty="0" smtClean="0">
-                <a:latin typeface="Courier New" pitchFamily="49" charset="0"/>
-                <a:cs typeface="Courier New" pitchFamily="49" charset="0"/>
-              </a:rPr>
-              <a:t>&lt;/div&gt;</a:t>
-            </a:r>
-          </a:p>
-          <a:p>
-            <a:r>
-              <a:rPr lang="en-IN" sz="6000" dirty="0" smtClean="0"/>
-              <a:t>Pass </a:t>
-            </a:r>
-            <a:r>
-              <a:rPr lang="en-IN" sz="6000" dirty="0" err="1" smtClean="0"/>
-              <a:t>CommentDetail</a:t>
-            </a:r>
-            <a:r>
-              <a:rPr lang="en-IN" sz="6000" dirty="0" smtClean="0"/>
-              <a:t> component in </a:t>
-            </a:r>
-            <a:r>
-              <a:rPr lang="en-IN" sz="6000" dirty="0" err="1" smtClean="0"/>
-              <a:t>ApprovalCard</a:t>
-            </a:r>
-            <a:r>
-              <a:rPr lang="en-IN" sz="6000" dirty="0" smtClean="0"/>
-              <a:t> and in index.js file</a:t>
-            </a:r>
-          </a:p>
-          <a:p>
-            <a:r>
-              <a:rPr lang="en-IN" sz="6000" dirty="0" smtClean="0"/>
-              <a:t>Use props in </a:t>
-            </a:r>
-            <a:r>
-              <a:rPr lang="en-IN" sz="6000" dirty="0" err="1" smtClean="0"/>
-              <a:t>ApprovalCard</a:t>
-            </a:r>
-            <a:r>
-              <a:rPr lang="en-IN" sz="6000" dirty="0" smtClean="0"/>
-              <a:t> component </a:t>
-            </a:r>
+            <a:endParaRPr lang="en-IN" sz="3100" dirty="0" smtClean="0"/>
+          </a:p>
+          <a:p>
+            <a:endParaRPr lang="en-IN" dirty="0" smtClean="0">
+              <a:latin typeface="Courier New" pitchFamily="49" charset="0"/>
+              <a:cs typeface="Courier New" pitchFamily="49" charset="0"/>
+            </a:endParaRPr>
+          </a:p>
+          <a:p>
+            <a:endParaRPr lang="en-IN" dirty="0" smtClean="0"/>
           </a:p>
           <a:p>
             <a:endParaRPr lang="en-IN" dirty="0"/>
@@ -4862,7 +6455,313 @@
           <a:p>
             <a:r>
               <a:rPr lang="en-IN" dirty="0" smtClean="0"/>
-              <a:t>Class based component</a:t>
+              <a:t>Component – Part 2</a:t>
+            </a:r>
+            <a:endParaRPr lang="en-IN" dirty="0"/>
+          </a:p>
+        </p:txBody>
+      </p:sp>
+      <p:sp>
+        <p:nvSpPr>
+          <p:cNvPr id="3" name="Content Placeholder 2"/>
+          <p:cNvSpPr>
+            <a:spLocks noGrp="1"/>
+          </p:cNvSpPr>
+          <p:nvPr>
+            <p:ph idx="1"/>
+          </p:nvPr>
+        </p:nvSpPr>
+        <p:spPr/>
+        <p:txBody>
+          <a:bodyPr>
+            <a:normAutofit fontScale="40000" lnSpcReduction="20000"/>
+          </a:bodyPr>
+          <a:lstStyle/>
+          <a:p>
+            <a:r>
+              <a:rPr lang="en-IN" sz="6000" dirty="0" smtClean="0"/>
+              <a:t>Insert card html code from </a:t>
+            </a:r>
+            <a:r>
+              <a:rPr lang="en-IN" sz="6000" dirty="0" smtClean="0">
+                <a:hlinkClick r:id="rId2"/>
+              </a:rPr>
+              <a:t>https://semantic-ui.com/views/card.html</a:t>
+            </a:r>
+            <a:endParaRPr lang="en-IN" sz="6000" dirty="0" smtClean="0"/>
+          </a:p>
+          <a:p>
+            <a:pPr>
+              <a:buNone/>
+            </a:pPr>
+            <a:r>
+              <a:rPr lang="en-IN" dirty="0" smtClean="0">
+                <a:latin typeface="Courier New" pitchFamily="49" charset="0"/>
+                <a:cs typeface="Courier New" pitchFamily="49" charset="0"/>
+              </a:rPr>
+              <a:t>&lt;div class="</a:t>
+            </a:r>
+            <a:r>
+              <a:rPr lang="en-IN" dirty="0" err="1" smtClean="0">
+                <a:latin typeface="Courier New" pitchFamily="49" charset="0"/>
+                <a:cs typeface="Courier New" pitchFamily="49" charset="0"/>
+              </a:rPr>
+              <a:t>ui</a:t>
+            </a:r>
+            <a:r>
+              <a:rPr lang="en-IN" dirty="0" smtClean="0">
+                <a:latin typeface="Courier New" pitchFamily="49" charset="0"/>
+                <a:cs typeface="Courier New" pitchFamily="49" charset="0"/>
+              </a:rPr>
+              <a:t> card"&gt;</a:t>
+            </a:r>
+          </a:p>
+          <a:p>
+            <a:pPr>
+              <a:buNone/>
+            </a:pPr>
+            <a:r>
+              <a:rPr lang="en-IN" dirty="0" smtClean="0">
+                <a:latin typeface="Courier New" pitchFamily="49" charset="0"/>
+                <a:cs typeface="Courier New" pitchFamily="49" charset="0"/>
+              </a:rPr>
+              <a:t>      &lt;div class="content"&gt;</a:t>
+            </a:r>
+          </a:p>
+          <a:p>
+            <a:pPr>
+              <a:buNone/>
+            </a:pPr>
+            <a:r>
+              <a:rPr lang="en-IN" dirty="0" smtClean="0">
+                <a:latin typeface="Courier New" pitchFamily="49" charset="0"/>
+                <a:cs typeface="Courier New" pitchFamily="49" charset="0"/>
+              </a:rPr>
+              <a:t>        Are you sure?</a:t>
+            </a:r>
+          </a:p>
+          <a:p>
+            <a:pPr>
+              <a:buNone/>
+            </a:pPr>
+            <a:r>
+              <a:rPr lang="en-IN" dirty="0" smtClean="0">
+                <a:latin typeface="Courier New" pitchFamily="49" charset="0"/>
+                <a:cs typeface="Courier New" pitchFamily="49" charset="0"/>
+              </a:rPr>
+              <a:t>      &lt;/div&gt;</a:t>
+            </a:r>
+          </a:p>
+          <a:p>
+            <a:pPr>
+              <a:buNone/>
+            </a:pPr>
+            <a:r>
+              <a:rPr lang="en-IN" dirty="0" smtClean="0">
+                <a:latin typeface="Courier New" pitchFamily="49" charset="0"/>
+                <a:cs typeface="Courier New" pitchFamily="49" charset="0"/>
+              </a:rPr>
+              <a:t>      &lt;div class="extra content"&gt;</a:t>
+            </a:r>
+          </a:p>
+          <a:p>
+            <a:pPr>
+              <a:buNone/>
+            </a:pPr>
+            <a:r>
+              <a:rPr lang="en-IN" dirty="0" smtClean="0">
+                <a:latin typeface="Courier New" pitchFamily="49" charset="0"/>
+                <a:cs typeface="Courier New" pitchFamily="49" charset="0"/>
+              </a:rPr>
+              <a:t>        &lt;div class="</a:t>
+            </a:r>
+            <a:r>
+              <a:rPr lang="en-IN" dirty="0" err="1" smtClean="0">
+                <a:latin typeface="Courier New" pitchFamily="49" charset="0"/>
+                <a:cs typeface="Courier New" pitchFamily="49" charset="0"/>
+              </a:rPr>
+              <a:t>ui</a:t>
+            </a:r>
+            <a:r>
+              <a:rPr lang="en-IN" dirty="0" smtClean="0">
+                <a:latin typeface="Courier New" pitchFamily="49" charset="0"/>
+                <a:cs typeface="Courier New" pitchFamily="49" charset="0"/>
+              </a:rPr>
+              <a:t> two buttons"&gt;</a:t>
+            </a:r>
+          </a:p>
+          <a:p>
+            <a:pPr>
+              <a:buNone/>
+            </a:pPr>
+            <a:r>
+              <a:rPr lang="en-IN" dirty="0" smtClean="0">
+                <a:latin typeface="Courier New" pitchFamily="49" charset="0"/>
+                <a:cs typeface="Courier New" pitchFamily="49" charset="0"/>
+              </a:rPr>
+              <a:t>          &lt;div class="</a:t>
+            </a:r>
+            <a:r>
+              <a:rPr lang="en-IN" dirty="0" err="1" smtClean="0">
+                <a:latin typeface="Courier New" pitchFamily="49" charset="0"/>
+                <a:cs typeface="Courier New" pitchFamily="49" charset="0"/>
+              </a:rPr>
+              <a:t>ui</a:t>
+            </a:r>
+            <a:r>
+              <a:rPr lang="en-IN" dirty="0" smtClean="0">
+                <a:latin typeface="Courier New" pitchFamily="49" charset="0"/>
+                <a:cs typeface="Courier New" pitchFamily="49" charset="0"/>
+              </a:rPr>
+              <a:t> basic green button"&gt;Approve&lt;/div&gt;</a:t>
+            </a:r>
+          </a:p>
+          <a:p>
+            <a:pPr>
+              <a:buNone/>
+            </a:pPr>
+            <a:r>
+              <a:rPr lang="en-IN" dirty="0" smtClean="0">
+                <a:latin typeface="Courier New" pitchFamily="49" charset="0"/>
+                <a:cs typeface="Courier New" pitchFamily="49" charset="0"/>
+              </a:rPr>
+              <a:t>          &lt;div class="</a:t>
+            </a:r>
+            <a:r>
+              <a:rPr lang="en-IN" dirty="0" err="1" smtClean="0">
+                <a:latin typeface="Courier New" pitchFamily="49" charset="0"/>
+                <a:cs typeface="Courier New" pitchFamily="49" charset="0"/>
+              </a:rPr>
+              <a:t>ui</a:t>
+            </a:r>
+            <a:r>
+              <a:rPr lang="en-IN" dirty="0" smtClean="0">
+                <a:latin typeface="Courier New" pitchFamily="49" charset="0"/>
+                <a:cs typeface="Courier New" pitchFamily="49" charset="0"/>
+              </a:rPr>
+              <a:t> basic red button"&gt;Decline&lt;/div&gt;</a:t>
+            </a:r>
+          </a:p>
+          <a:p>
+            <a:pPr>
+              <a:buNone/>
+            </a:pPr>
+            <a:r>
+              <a:rPr lang="en-IN" dirty="0" smtClean="0">
+                <a:latin typeface="Courier New" pitchFamily="49" charset="0"/>
+                <a:cs typeface="Courier New" pitchFamily="49" charset="0"/>
+              </a:rPr>
+              <a:t>        &lt;/div&gt;</a:t>
+            </a:r>
+          </a:p>
+          <a:p>
+            <a:pPr>
+              <a:buNone/>
+            </a:pPr>
+            <a:r>
+              <a:rPr lang="en-IN" dirty="0" smtClean="0">
+                <a:latin typeface="Courier New" pitchFamily="49" charset="0"/>
+                <a:cs typeface="Courier New" pitchFamily="49" charset="0"/>
+              </a:rPr>
+              <a:t>      &lt;/div&gt;</a:t>
+            </a:r>
+          </a:p>
+          <a:p>
+            <a:pPr>
+              <a:buNone/>
+            </a:pPr>
+            <a:r>
+              <a:rPr lang="en-IN" dirty="0" smtClean="0">
+                <a:latin typeface="Courier New" pitchFamily="49" charset="0"/>
+                <a:cs typeface="Courier New" pitchFamily="49" charset="0"/>
+              </a:rPr>
+              <a:t>&lt;/div&gt;</a:t>
+            </a:r>
+          </a:p>
+          <a:p>
+            <a:r>
+              <a:rPr lang="en-IN" sz="6000" dirty="0" smtClean="0"/>
+              <a:t>Pass </a:t>
+            </a:r>
+            <a:r>
+              <a:rPr lang="en-IN" sz="6000" dirty="0" err="1" smtClean="0"/>
+              <a:t>CommentDetail</a:t>
+            </a:r>
+            <a:r>
+              <a:rPr lang="en-IN" sz="6000" dirty="0" smtClean="0"/>
+              <a:t> component in </a:t>
+            </a:r>
+            <a:r>
+              <a:rPr lang="en-IN" sz="6000" dirty="0" err="1" smtClean="0"/>
+              <a:t>ApprovalCard</a:t>
+            </a:r>
+            <a:r>
+              <a:rPr lang="en-IN" sz="6000" dirty="0" smtClean="0"/>
+              <a:t> and in index.js file</a:t>
+            </a:r>
+          </a:p>
+          <a:p>
+            <a:r>
+              <a:rPr lang="en-IN" sz="6000" dirty="0" smtClean="0"/>
+              <a:t>Use props in </a:t>
+            </a:r>
+            <a:r>
+              <a:rPr lang="en-IN" sz="6000" dirty="0" err="1" smtClean="0"/>
+              <a:t>ApprovalCard</a:t>
+            </a:r>
+            <a:r>
+              <a:rPr lang="en-IN" sz="6000" dirty="0" smtClean="0"/>
+              <a:t> component </a:t>
+            </a:r>
+          </a:p>
+          <a:p>
+            <a:endParaRPr lang="en-IN" dirty="0"/>
+          </a:p>
+        </p:txBody>
+      </p:sp>
+    </p:spTree>
+  </p:cSld>
+  <p:clrMapOvr>
+    <a:masterClrMapping/>
+  </p:clrMapOvr>
+</p:sld>
+</file>
+
+<file path=ppt/slides/slide9.xml><?xml version="1.0" encoding="utf-8"?>
+<p:sld xmlns:a="http://schemas.openxmlformats.org/drawingml/2006/main" xmlns:r="http://schemas.openxmlformats.org/officeDocument/2006/relationships" xmlns:p="http://schemas.openxmlformats.org/presentationml/2006/main">
+  <p:cSld>
+    <p:spTree>
+      <p:nvGrpSpPr>
+        <p:cNvPr id="1" name=""/>
+        <p:cNvGrpSpPr/>
+        <p:nvPr/>
+      </p:nvGrpSpPr>
+      <p:grpSpPr>
+        <a:xfrm>
+          <a:off x="0" y="0"/>
+          <a:ext cx="0" cy="0"/>
+          <a:chOff x="0" y="0"/>
+          <a:chExt cx="0" cy="0"/>
+        </a:xfrm>
+      </p:grpSpPr>
+      <p:sp>
+        <p:nvSpPr>
+          <p:cNvPr id="2" name="Title 1"/>
+          <p:cNvSpPr>
+            <a:spLocks noGrp="1"/>
+          </p:cNvSpPr>
+          <p:nvPr>
+            <p:ph type="title"/>
+          </p:nvPr>
+        </p:nvSpPr>
+        <p:spPr/>
+        <p:txBody>
+          <a:bodyPr/>
+          <a:lstStyle/>
+          <a:p>
+            <a:r>
+              <a:rPr lang="en-IN" dirty="0" smtClean="0"/>
+              <a:t>Class based component – Part 1</a:t>
             </a:r>
             <a:endParaRPr lang="en-IN" dirty="0"/>
           </a:p>
@@ -5065,11 +6964,7 @@
             </a:r>
             <a:r>
               <a:rPr lang="en-IN" sz="3100" dirty="0" smtClean="0"/>
-              <a:t> </a:t>
-            </a:r>
-            <a:r>
-              <a:rPr lang="en-IN" sz="3100" dirty="0" smtClean="0"/>
-              <a:t>= {} in constructor</a:t>
+              <a:t> = {} in constructor</a:t>
             </a:r>
           </a:p>
           <a:p>
@@ -5103,7 +6998,6 @@
               <a:rPr lang="en-IN" sz="3100" smtClean="0"/>
               <a:t>with condition</a:t>
             </a:r>
-            <a:endParaRPr lang="en-IN" sz="3100" smtClean="0"/>
           </a:p>
           <a:p>
             <a:endParaRPr lang="en-IN" sz="3100" dirty="0" smtClean="0"/>
